--- a/Computer Project.pptx
+++ b/Computer Project.pptx
@@ -30,11 +30,12 @@
     <p:sldId id="287" r:id="rId24"/>
     <p:sldId id="291" r:id="rId25"/>
     <p:sldId id="292" r:id="rId26"/>
-    <p:sldId id="293" r:id="rId27"/>
-    <p:sldId id="294" r:id="rId28"/>
-    <p:sldId id="295" r:id="rId29"/>
-    <p:sldId id="288" r:id="rId30"/>
-    <p:sldId id="259" r:id="rId31"/>
+    <p:sldId id="305" r:id="rId27"/>
+    <p:sldId id="293" r:id="rId28"/>
+    <p:sldId id="294" r:id="rId29"/>
+    <p:sldId id="295" r:id="rId30"/>
+    <p:sldId id="288" r:id="rId31"/>
+    <p:sldId id="259" r:id="rId32"/>
   </p:sldIdLst>
   <p:sldSz cx="6858000" cy="9906000" type="A4"/>
   <p:notesSz cx="6858000" cy="9144000"/>
@@ -272,7 +273,7 @@
           <a:p>
             <a:fld id="{EC8AD2E2-2C3E-4F20-8F8A-0BD8B8394F50}" type="datetimeFigureOut">
               <a:rPr lang="en-AE" smtClean="0"/>
-              <a:t>21/08/2022</a:t>
+              <a:t>24/08/2022</a:t>
             </a:fld>
             <a:endParaRPr lang="en-AE" dirty="0"/>
           </a:p>
@@ -442,7 +443,7 @@
           <a:p>
             <a:fld id="{EC8AD2E2-2C3E-4F20-8F8A-0BD8B8394F50}" type="datetimeFigureOut">
               <a:rPr lang="en-AE" smtClean="0"/>
-              <a:t>21/08/2022</a:t>
+              <a:t>24/08/2022</a:t>
             </a:fld>
             <a:endParaRPr lang="en-AE" dirty="0"/>
           </a:p>
@@ -622,7 +623,7 @@
           <a:p>
             <a:fld id="{EC8AD2E2-2C3E-4F20-8F8A-0BD8B8394F50}" type="datetimeFigureOut">
               <a:rPr lang="en-AE" smtClean="0"/>
-              <a:t>21/08/2022</a:t>
+              <a:t>24/08/2022</a:t>
             </a:fld>
             <a:endParaRPr lang="en-AE" dirty="0"/>
           </a:p>
@@ -792,7 +793,7 @@
           <a:p>
             <a:fld id="{EC8AD2E2-2C3E-4F20-8F8A-0BD8B8394F50}" type="datetimeFigureOut">
               <a:rPr lang="en-AE" smtClean="0"/>
-              <a:t>21/08/2022</a:t>
+              <a:t>24/08/2022</a:t>
             </a:fld>
             <a:endParaRPr lang="en-AE" dirty="0"/>
           </a:p>
@@ -1036,7 +1037,7 @@
           <a:p>
             <a:fld id="{EC8AD2E2-2C3E-4F20-8F8A-0BD8B8394F50}" type="datetimeFigureOut">
               <a:rPr lang="en-AE" smtClean="0"/>
-              <a:t>21/08/2022</a:t>
+              <a:t>24/08/2022</a:t>
             </a:fld>
             <a:endParaRPr lang="en-AE" dirty="0"/>
           </a:p>
@@ -1268,7 +1269,7 @@
           <a:p>
             <a:fld id="{EC8AD2E2-2C3E-4F20-8F8A-0BD8B8394F50}" type="datetimeFigureOut">
               <a:rPr lang="en-AE" smtClean="0"/>
-              <a:t>21/08/2022</a:t>
+              <a:t>24/08/2022</a:t>
             </a:fld>
             <a:endParaRPr lang="en-AE" dirty="0"/>
           </a:p>
@@ -1635,7 +1636,7 @@
           <a:p>
             <a:fld id="{EC8AD2E2-2C3E-4F20-8F8A-0BD8B8394F50}" type="datetimeFigureOut">
               <a:rPr lang="en-AE" smtClean="0"/>
-              <a:t>21/08/2022</a:t>
+              <a:t>24/08/2022</a:t>
             </a:fld>
             <a:endParaRPr lang="en-AE" dirty="0"/>
           </a:p>
@@ -1753,7 +1754,7 @@
           <a:p>
             <a:fld id="{EC8AD2E2-2C3E-4F20-8F8A-0BD8B8394F50}" type="datetimeFigureOut">
               <a:rPr lang="en-AE" smtClean="0"/>
-              <a:t>21/08/2022</a:t>
+              <a:t>24/08/2022</a:t>
             </a:fld>
             <a:endParaRPr lang="en-AE" dirty="0"/>
           </a:p>
@@ -1848,7 +1849,7 @@
           <a:p>
             <a:fld id="{EC8AD2E2-2C3E-4F20-8F8A-0BD8B8394F50}" type="datetimeFigureOut">
               <a:rPr lang="en-AE" smtClean="0"/>
-              <a:t>21/08/2022</a:t>
+              <a:t>24/08/2022</a:t>
             </a:fld>
             <a:endParaRPr lang="en-AE" dirty="0"/>
           </a:p>
@@ -2125,7 +2126,7 @@
           <a:p>
             <a:fld id="{EC8AD2E2-2C3E-4F20-8F8A-0BD8B8394F50}" type="datetimeFigureOut">
               <a:rPr lang="en-AE" smtClean="0"/>
-              <a:t>21/08/2022</a:t>
+              <a:t>24/08/2022</a:t>
             </a:fld>
             <a:endParaRPr lang="en-AE" dirty="0"/>
           </a:p>
@@ -2381,7 +2382,7 @@
           <a:p>
             <a:fld id="{EC8AD2E2-2C3E-4F20-8F8A-0BD8B8394F50}" type="datetimeFigureOut">
               <a:rPr lang="en-AE" smtClean="0"/>
-              <a:t>21/08/2022</a:t>
+              <a:t>24/08/2022</a:t>
             </a:fld>
             <a:endParaRPr lang="en-AE" dirty="0"/>
           </a:p>
@@ -2594,7 +2595,7 @@
           <a:p>
             <a:fld id="{EC8AD2E2-2C3E-4F20-8F8A-0BD8B8394F50}" type="datetimeFigureOut">
               <a:rPr lang="en-AE" smtClean="0"/>
-              <a:t>21/08/2022</a:t>
+              <a:t>24/08/2022</a:t>
             </a:fld>
             <a:endParaRPr lang="en-AE" dirty="0"/>
           </a:p>
@@ -10337,7 +10338,113 @@
                 <a:effectLst/>
                 <a:latin typeface="Consolas" panose="020B0609020204030204" pitchFamily="49" charset="0"/>
               </a:rPr>
-              <a:t>        print('Invalid Phone Number')</a:t>
+              <a:t> 	return print('Invalid Phone Number')        </a:t>
+            </a:r>
+          </a:p>
+          <a:p>
+            <a:r>
+              <a:rPr lang="en-US" sz="1100" b="1" dirty="0">
+                <a:effectLst/>
+                <a:latin typeface="Consolas" panose="020B0609020204030204" pitchFamily="49" charset="0"/>
+              </a:rPr>
+              <a:t>    reservation=result[0]</a:t>
+            </a:r>
+          </a:p>
+          <a:p>
+            <a:r>
+              <a:rPr lang="en-US" sz="1100" b="1" dirty="0">
+                <a:effectLst/>
+                <a:latin typeface="Consolas" panose="020B0609020204030204" pitchFamily="49" charset="0"/>
+              </a:rPr>
+              <a:t>    rid,gid,</a:t>
+            </a:r>
+            <a:r>
+              <a:rPr lang="en-US" sz="1100" b="1" dirty="0" err="1">
+                <a:effectLst/>
+                <a:latin typeface="Consolas" panose="020B0609020204030204" pitchFamily="49" charset="0"/>
+              </a:rPr>
+              <a:t>Pkcode</a:t>
+            </a:r>
+            <a:r>
+              <a:rPr lang="en-US" sz="1100" b="1" dirty="0">
+                <a:effectLst/>
+                <a:latin typeface="Consolas" panose="020B0609020204030204" pitchFamily="49" charset="0"/>
+              </a:rPr>
+              <a:t>,_,CheckIn,Checkout,_,</a:t>
+            </a:r>
+            <a:r>
+              <a:rPr lang="en-US" sz="1100" b="1" dirty="0" err="1">
+                <a:effectLst/>
+                <a:latin typeface="Consolas" panose="020B0609020204030204" pitchFamily="49" charset="0"/>
+              </a:rPr>
+              <a:t>RoomNo,Expenses</a:t>
+            </a:r>
+            <a:r>
+              <a:rPr lang="en-US" sz="1100" b="1" dirty="0">
+                <a:effectLst/>
+                <a:latin typeface="Consolas" panose="020B0609020204030204" pitchFamily="49" charset="0"/>
+              </a:rPr>
+              <a:t> = reservation</a:t>
+            </a:r>
+          </a:p>
+          <a:p>
+            <a:r>
+              <a:rPr lang="en-US" sz="1100" b="1" dirty="0">
+                <a:effectLst/>
+                <a:latin typeface="Consolas" panose="020B0609020204030204" pitchFamily="49" charset="0"/>
+              </a:rPr>
+              <a:t>    if </a:t>
+            </a:r>
+            <a:r>
+              <a:rPr lang="en-US" sz="1100" b="1" dirty="0" err="1">
+                <a:effectLst/>
+                <a:latin typeface="Consolas" panose="020B0609020204030204" pitchFamily="49" charset="0"/>
+              </a:rPr>
+              <a:t>RoomNo</a:t>
+            </a:r>
+            <a:r>
+              <a:rPr lang="en-US" sz="1100" b="1" dirty="0">
+                <a:effectLst/>
+                <a:latin typeface="Consolas" panose="020B0609020204030204" pitchFamily="49" charset="0"/>
+              </a:rPr>
+              <a:t>=='Not </a:t>
+            </a:r>
+            <a:r>
+              <a:rPr lang="en-US" sz="1100" b="1" dirty="0" err="1">
+                <a:effectLst/>
+                <a:latin typeface="Consolas" panose="020B0609020204030204" pitchFamily="49" charset="0"/>
+              </a:rPr>
+              <a:t>CheckedIn</a:t>
+            </a:r>
+            <a:r>
+              <a:rPr lang="en-US" sz="1100" b="1" dirty="0">
+                <a:effectLst/>
+                <a:latin typeface="Consolas" panose="020B0609020204030204" pitchFamily="49" charset="0"/>
+              </a:rPr>
+              <a:t>':</a:t>
+            </a:r>
+          </a:p>
+          <a:p>
+            <a:r>
+              <a:rPr lang="en-US" sz="1100" b="1" dirty="0">
+                <a:effectLst/>
+                <a:latin typeface="Consolas" panose="020B0609020204030204" pitchFamily="49" charset="0"/>
+              </a:rPr>
+              <a:t>        print('You cannot </a:t>
+            </a:r>
+            <a:r>
+              <a:rPr lang="en-US" sz="1100" b="1" dirty="0" err="1">
+                <a:effectLst/>
+                <a:latin typeface="Consolas" panose="020B0609020204030204" pitchFamily="49" charset="0"/>
+              </a:rPr>
+              <a:t>CheckOut</a:t>
+            </a:r>
+            <a:r>
+              <a:rPr lang="en-US" sz="1100" b="1" dirty="0">
+                <a:effectLst/>
+                <a:latin typeface="Consolas" panose="020B0609020204030204" pitchFamily="49" charset="0"/>
+              </a:rPr>
+              <a:t>')</a:t>
             </a:r>
           </a:p>
           <a:p>
@@ -10355,16 +10462,639 @@
                 <a:effectLst/>
                 <a:latin typeface="Consolas" panose="020B0609020204030204" pitchFamily="49" charset="0"/>
               </a:rPr>
-              <a:t>    reservation=result[0]</a:t>
-            </a:r>
-          </a:p>
-          <a:p>
-            <a:r>
-              <a:rPr lang="en-US" sz="1100" b="1" dirty="0">
-                <a:effectLst/>
-                <a:latin typeface="Consolas" panose="020B0609020204030204" pitchFamily="49" charset="0"/>
-              </a:rPr>
-              <a:t>    rid,gid,</a:t>
+              <a:t>    </a:t>
+            </a:r>
+            <a:r>
+              <a:rPr lang="en-US" sz="1100" b="1" dirty="0" err="1">
+                <a:effectLst/>
+                <a:latin typeface="Consolas" panose="020B0609020204030204" pitchFamily="49" charset="0"/>
+              </a:rPr>
+              <a:t>cs.execute</a:t>
+            </a:r>
+            <a:r>
+              <a:rPr lang="en-US" sz="1100" b="1" dirty="0">
+                <a:effectLst/>
+                <a:latin typeface="Consolas" panose="020B0609020204030204" pitchFamily="49" charset="0"/>
+              </a:rPr>
+              <a:t>(</a:t>
+            </a:r>
+            <a:r>
+              <a:rPr lang="en-US" sz="1100" b="1" dirty="0" err="1">
+                <a:effectLst/>
+                <a:latin typeface="Consolas" panose="020B0609020204030204" pitchFamily="49" charset="0"/>
+              </a:rPr>
+              <a:t>f'select</a:t>
+            </a:r>
+            <a:r>
+              <a:rPr lang="en-US" sz="1100" b="1" dirty="0">
+                <a:effectLst/>
+                <a:latin typeface="Consolas" panose="020B0609020204030204" pitchFamily="49" charset="0"/>
+              </a:rPr>
+              <a:t> </a:t>
+            </a:r>
+            <a:r>
+              <a:rPr lang="en-US" sz="1100" b="1" dirty="0" err="1">
+                <a:effectLst/>
+                <a:latin typeface="Consolas" panose="020B0609020204030204" pitchFamily="49" charset="0"/>
+              </a:rPr>
+              <a:t>First_Name,Last_Name</a:t>
+            </a:r>
+            <a:r>
+              <a:rPr lang="en-US" sz="1100" b="1" dirty="0">
+                <a:effectLst/>
+                <a:latin typeface="Consolas" panose="020B0609020204030204" pitchFamily="49" charset="0"/>
+              </a:rPr>
+              <a:t> from Guests where </a:t>
+            </a:r>
+            <a:r>
+              <a:rPr lang="en-US" sz="1100" b="1" dirty="0" err="1">
+                <a:effectLst/>
+                <a:latin typeface="Consolas" panose="020B0609020204030204" pitchFamily="49" charset="0"/>
+              </a:rPr>
+              <a:t>Phone_Number</a:t>
+            </a:r>
+            <a:r>
+              <a:rPr lang="en-US" sz="1100" b="1" dirty="0">
+                <a:effectLst/>
+                <a:latin typeface="Consolas" panose="020B0609020204030204" pitchFamily="49" charset="0"/>
+              </a:rPr>
+              <a:t>="{</a:t>
+            </a:r>
+            <a:r>
+              <a:rPr lang="en-US" sz="1100" b="1" dirty="0" err="1">
+                <a:effectLst/>
+                <a:latin typeface="Consolas" panose="020B0609020204030204" pitchFamily="49" charset="0"/>
+              </a:rPr>
+              <a:t>phonenum</a:t>
+            </a:r>
+            <a:r>
+              <a:rPr lang="en-US" sz="1100" b="1" dirty="0">
+                <a:effectLst/>
+                <a:latin typeface="Consolas" panose="020B0609020204030204" pitchFamily="49" charset="0"/>
+              </a:rPr>
+              <a:t>}"')</a:t>
+            </a:r>
+          </a:p>
+          <a:p>
+            <a:r>
+              <a:rPr lang="en-US" sz="1100" b="1" dirty="0">
+                <a:effectLst/>
+                <a:latin typeface="Consolas" panose="020B0609020204030204" pitchFamily="49" charset="0"/>
+              </a:rPr>
+              <a:t>    </a:t>
+            </a:r>
+            <a:r>
+              <a:rPr lang="en-US" sz="1100" b="1" dirty="0" err="1">
+                <a:effectLst/>
+                <a:latin typeface="Consolas" panose="020B0609020204030204" pitchFamily="49" charset="0"/>
+              </a:rPr>
+              <a:t>fname,lname</a:t>
+            </a:r>
+            <a:r>
+              <a:rPr lang="en-US" sz="1100" b="1" dirty="0">
+                <a:effectLst/>
+                <a:latin typeface="Consolas" panose="020B0609020204030204" pitchFamily="49" charset="0"/>
+              </a:rPr>
+              <a:t>=</a:t>
+            </a:r>
+            <a:r>
+              <a:rPr lang="en-US" sz="1100" b="1" dirty="0" err="1">
+                <a:effectLst/>
+                <a:latin typeface="Consolas" panose="020B0609020204030204" pitchFamily="49" charset="0"/>
+              </a:rPr>
+              <a:t>cs.fetchall</a:t>
+            </a:r>
+            <a:r>
+              <a:rPr lang="en-US" sz="1100" b="1" dirty="0">
+                <a:effectLst/>
+                <a:latin typeface="Consolas" panose="020B0609020204030204" pitchFamily="49" charset="0"/>
+              </a:rPr>
+              <a:t>()[0]</a:t>
+            </a:r>
+          </a:p>
+          <a:p>
+            <a:r>
+              <a:rPr lang="en-US" sz="1100" b="1" dirty="0">
+                <a:effectLst/>
+                <a:latin typeface="Consolas" panose="020B0609020204030204" pitchFamily="49" charset="0"/>
+              </a:rPr>
+              <a:t>	mop=input('Enter mode of payment(Cash/Card):').upper()</a:t>
+            </a:r>
+          </a:p>
+          <a:p>
+            <a:r>
+              <a:rPr lang="en-US" sz="1100" b="1" dirty="0">
+                <a:effectLst/>
+                <a:latin typeface="Consolas" panose="020B0609020204030204" pitchFamily="49" charset="0"/>
+              </a:rPr>
+              <a:t>    print('\n=======================================')</a:t>
+            </a:r>
+          </a:p>
+          <a:p>
+            <a:r>
+              <a:rPr lang="en-US" sz="1100" b="1" dirty="0">
+                <a:effectLst/>
+                <a:latin typeface="Consolas" panose="020B0609020204030204" pitchFamily="49" charset="0"/>
+              </a:rPr>
+              <a:t>    print('\t\t Bill\n\n')</a:t>
+            </a:r>
+          </a:p>
+          <a:p>
+            <a:r>
+              <a:rPr lang="en-US" sz="1100" b="1" dirty="0">
+                <a:effectLst/>
+                <a:latin typeface="Consolas" panose="020B0609020204030204" pitchFamily="49" charset="0"/>
+              </a:rPr>
+              <a:t>    print(f' Name:{</a:t>
+            </a:r>
+            <a:r>
+              <a:rPr lang="en-US" sz="1100" b="1" dirty="0" err="1">
+                <a:effectLst/>
+                <a:latin typeface="Consolas" panose="020B0609020204030204" pitchFamily="49" charset="0"/>
+              </a:rPr>
+              <a:t>fname</a:t>
+            </a:r>
+            <a:r>
+              <a:rPr lang="en-US" sz="1100" b="1" dirty="0">
+                <a:effectLst/>
+                <a:latin typeface="Consolas" panose="020B0609020204030204" pitchFamily="49" charset="0"/>
+              </a:rPr>
+              <a:t>} {</a:t>
+            </a:r>
+            <a:r>
+              <a:rPr lang="en-US" sz="1100" b="1" dirty="0" err="1">
+                <a:effectLst/>
+                <a:latin typeface="Consolas" panose="020B0609020204030204" pitchFamily="49" charset="0"/>
+              </a:rPr>
+              <a:t>lname</a:t>
+            </a:r>
+            <a:r>
+              <a:rPr lang="en-US" sz="1100" b="1" dirty="0">
+                <a:effectLst/>
+                <a:latin typeface="Consolas" panose="020B0609020204030204" pitchFamily="49" charset="0"/>
+              </a:rPr>
+              <a:t>}')</a:t>
+            </a:r>
+          </a:p>
+          <a:p>
+            <a:r>
+              <a:rPr lang="en-US" sz="1100" b="1" dirty="0">
+                <a:effectLst/>
+                <a:latin typeface="Consolas" panose="020B0609020204030204" pitchFamily="49" charset="0"/>
+              </a:rPr>
+              <a:t>    print(f' Phone Number: {</a:t>
+            </a:r>
+            <a:r>
+              <a:rPr lang="en-US" sz="1100" b="1" dirty="0" err="1">
+                <a:effectLst/>
+                <a:latin typeface="Consolas" panose="020B0609020204030204" pitchFamily="49" charset="0"/>
+              </a:rPr>
+              <a:t>phonenum</a:t>
+            </a:r>
+            <a:r>
+              <a:rPr lang="en-US" sz="1100" b="1" dirty="0">
+                <a:effectLst/>
+                <a:latin typeface="Consolas" panose="020B0609020204030204" pitchFamily="49" charset="0"/>
+              </a:rPr>
+              <a:t>}')</a:t>
+            </a:r>
+          </a:p>
+          <a:p>
+            <a:r>
+              <a:rPr lang="en-US" sz="1100" b="1" dirty="0">
+                <a:effectLst/>
+                <a:latin typeface="Consolas" panose="020B0609020204030204" pitchFamily="49" charset="0"/>
+              </a:rPr>
+              <a:t>    print(f' Reservation ID: {rid}')</a:t>
+            </a:r>
+          </a:p>
+          <a:p>
+            <a:r>
+              <a:rPr lang="en-US" sz="1100" b="1" dirty="0">
+                <a:effectLst/>
+                <a:latin typeface="Consolas" panose="020B0609020204030204" pitchFamily="49" charset="0"/>
+              </a:rPr>
+              <a:t>    print(f' </a:t>
+            </a:r>
+            <a:r>
+              <a:rPr lang="en-US" sz="1100" b="1" dirty="0" err="1">
+                <a:effectLst/>
+                <a:latin typeface="Consolas" panose="020B0609020204030204" pitchFamily="49" charset="0"/>
+              </a:rPr>
+              <a:t>CheckInDate</a:t>
+            </a:r>
+            <a:r>
+              <a:rPr lang="en-US" sz="1100" b="1" dirty="0">
+                <a:effectLst/>
+                <a:latin typeface="Consolas" panose="020B0609020204030204" pitchFamily="49" charset="0"/>
+              </a:rPr>
+              <a:t>: {</a:t>
+            </a:r>
+            <a:r>
+              <a:rPr lang="en-US" sz="1100" b="1" dirty="0" err="1">
+                <a:effectLst/>
+                <a:latin typeface="Consolas" panose="020B0609020204030204" pitchFamily="49" charset="0"/>
+              </a:rPr>
+              <a:t>CheckIn</a:t>
+            </a:r>
+            <a:r>
+              <a:rPr lang="en-US" sz="1100" b="1" dirty="0">
+                <a:effectLst/>
+                <a:latin typeface="Consolas" panose="020B0609020204030204" pitchFamily="49" charset="0"/>
+              </a:rPr>
+              <a:t>}')</a:t>
+            </a:r>
+          </a:p>
+          <a:p>
+            <a:r>
+              <a:rPr lang="en-US" sz="1100" b="1" dirty="0">
+                <a:effectLst/>
+                <a:latin typeface="Consolas" panose="020B0609020204030204" pitchFamily="49" charset="0"/>
+              </a:rPr>
+              <a:t>    print(f' Checkout Date: {Checkout}')</a:t>
+            </a:r>
+          </a:p>
+          <a:p>
+            <a:r>
+              <a:rPr lang="en-US" sz="1100" b="1" dirty="0">
+                <a:effectLst/>
+                <a:latin typeface="Consolas" panose="020B0609020204030204" pitchFamily="49" charset="0"/>
+              </a:rPr>
+              <a:t>    print(f' Payment Mode: {mop}')</a:t>
+            </a:r>
+          </a:p>
+          <a:p>
+            <a:r>
+              <a:rPr lang="en-US" sz="1100" b="1" dirty="0">
+                <a:effectLst/>
+                <a:latin typeface="Consolas" panose="020B0609020204030204" pitchFamily="49" charset="0"/>
+              </a:rPr>
+              <a:t>    print(f' Expenses: {Expenses} AED')</a:t>
+            </a:r>
+          </a:p>
+          <a:p>
+            <a:r>
+              <a:rPr lang="en-US" sz="1100" b="1" dirty="0">
+                <a:effectLst/>
+                <a:latin typeface="Consolas" panose="020B0609020204030204" pitchFamily="49" charset="0"/>
+              </a:rPr>
+              <a:t>    print('\n\</a:t>
+            </a:r>
+            <a:r>
+              <a:rPr lang="en-US" sz="1100" b="1" dirty="0" err="1">
+                <a:effectLst/>
+                <a:latin typeface="Consolas" panose="020B0609020204030204" pitchFamily="49" charset="0"/>
+              </a:rPr>
+              <a:t>tPlease</a:t>
+            </a:r>
+            <a:r>
+              <a:rPr lang="en-US" sz="1100" b="1" dirty="0">
+                <a:effectLst/>
+                <a:latin typeface="Consolas" panose="020B0609020204030204" pitchFamily="49" charset="0"/>
+              </a:rPr>
+              <a:t> Pay at the counter')</a:t>
+            </a:r>
+          </a:p>
+          <a:p>
+            <a:r>
+              <a:rPr lang="en-US" sz="1100" b="1" dirty="0">
+                <a:effectLst/>
+                <a:latin typeface="Consolas" panose="020B0609020204030204" pitchFamily="49" charset="0"/>
+              </a:rPr>
+              <a:t>    print('\n======================================</a:t>
+            </a:r>
+          </a:p>
+          <a:p>
+            <a:r>
+              <a:rPr lang="en-US" sz="1100" b="1" dirty="0">
+                <a:effectLst/>
+                <a:latin typeface="Consolas" panose="020B0609020204030204" pitchFamily="49" charset="0"/>
+              </a:rPr>
+              <a:t>    score=int(input(</a:t>
+            </a:r>
+            <a:r>
+              <a:rPr lang="en-US" sz="1100" b="1" dirty="0" err="1">
+                <a:effectLst/>
+                <a:latin typeface="Consolas" panose="020B0609020204030204" pitchFamily="49" charset="0"/>
+              </a:rPr>
+              <a:t>f'On</a:t>
+            </a:r>
+            <a:r>
+              <a:rPr lang="en-US" sz="1100" b="1" dirty="0">
+                <a:effectLst/>
+                <a:latin typeface="Consolas" panose="020B0609020204030204" pitchFamily="49" charset="0"/>
+              </a:rPr>
+              <a:t> a scale of 1-10 how would you rate your stay {</a:t>
+            </a:r>
+            <a:r>
+              <a:rPr lang="en-US" sz="1100" b="1" dirty="0" err="1">
+                <a:effectLst/>
+                <a:latin typeface="Consolas" panose="020B0609020204030204" pitchFamily="49" charset="0"/>
+              </a:rPr>
+              <a:t>fname</a:t>
+            </a:r>
+            <a:r>
+              <a:rPr lang="en-US" sz="1100" b="1" dirty="0">
+                <a:effectLst/>
+                <a:latin typeface="Consolas" panose="020B0609020204030204" pitchFamily="49" charset="0"/>
+              </a:rPr>
+              <a:t>}:'))</a:t>
+            </a:r>
+          </a:p>
+          <a:p>
+            <a:r>
+              <a:rPr lang="en-US" sz="1100" b="1" dirty="0">
+                <a:effectLst/>
+                <a:latin typeface="Consolas" panose="020B0609020204030204" pitchFamily="49" charset="0"/>
+              </a:rPr>
+              <a:t>    if score&lt;1 or score&gt;10:</a:t>
+            </a:r>
+          </a:p>
+          <a:p>
+            <a:r>
+              <a:rPr lang="en-US" sz="1100" b="1" dirty="0">
+                <a:effectLst/>
+                <a:latin typeface="Consolas" panose="020B0609020204030204" pitchFamily="49" charset="0"/>
+              </a:rPr>
+              <a:t>        print('Invalid Score')</a:t>
+            </a:r>
+          </a:p>
+          <a:p>
+            <a:r>
+              <a:rPr lang="en-US" sz="1100" b="1" dirty="0">
+                <a:effectLst/>
+                <a:latin typeface="Consolas" panose="020B0609020204030204" pitchFamily="49" charset="0"/>
+              </a:rPr>
+              <a:t>        return</a:t>
+            </a:r>
+          </a:p>
+          <a:p>
+            <a:r>
+              <a:rPr lang="en-US" sz="1100" b="1" dirty="0">
+                <a:effectLst/>
+                <a:latin typeface="Consolas" panose="020B0609020204030204" pitchFamily="49" charset="0"/>
+              </a:rPr>
+              <a:t>    comments=input('Anything You want to say about your stay?\n')</a:t>
+            </a:r>
+          </a:p>
+          <a:p>
+            <a:r>
+              <a:rPr lang="en-US" sz="1100" b="1" dirty="0">
+                <a:effectLst/>
+                <a:latin typeface="Consolas" panose="020B0609020204030204" pitchFamily="49" charset="0"/>
+              </a:rPr>
+              <a:t>    </a:t>
+            </a:r>
+            <a:r>
+              <a:rPr lang="en-US" sz="1100" b="1" dirty="0" err="1">
+                <a:effectLst/>
+                <a:latin typeface="Consolas" panose="020B0609020204030204" pitchFamily="49" charset="0"/>
+              </a:rPr>
+              <a:t>cs.execute</a:t>
+            </a:r>
+            <a:r>
+              <a:rPr lang="en-US" sz="1100" b="1" dirty="0">
+                <a:effectLst/>
+                <a:latin typeface="Consolas" panose="020B0609020204030204" pitchFamily="49" charset="0"/>
+              </a:rPr>
+              <a:t>(</a:t>
+            </a:r>
+            <a:r>
+              <a:rPr lang="en-US" sz="1100" b="1" dirty="0" err="1">
+                <a:effectLst/>
+                <a:latin typeface="Consolas" panose="020B0609020204030204" pitchFamily="49" charset="0"/>
+              </a:rPr>
+              <a:t>f'update</a:t>
+            </a:r>
+            <a:r>
+              <a:rPr lang="en-US" sz="1100" b="1" dirty="0">
+                <a:effectLst/>
+                <a:latin typeface="Consolas" panose="020B0609020204030204" pitchFamily="49" charset="0"/>
+              </a:rPr>
+              <a:t> Rooms set Status="Cleaning",</a:t>
+            </a:r>
+            <a:r>
+              <a:rPr lang="en-US" sz="1100" b="1" dirty="0" err="1">
+                <a:effectLst/>
+                <a:latin typeface="Consolas" panose="020B0609020204030204" pitchFamily="49" charset="0"/>
+              </a:rPr>
+              <a:t>ReservationID</a:t>
+            </a:r>
+            <a:r>
+              <a:rPr lang="en-US" sz="1100" b="1" dirty="0">
+                <a:effectLst/>
+                <a:latin typeface="Consolas" panose="020B0609020204030204" pitchFamily="49" charset="0"/>
+              </a:rPr>
+              <a:t>=NULL where </a:t>
+            </a:r>
+            <a:r>
+              <a:rPr lang="en-US" sz="1100" b="1" dirty="0" err="1">
+                <a:effectLst/>
+                <a:latin typeface="Consolas" panose="020B0609020204030204" pitchFamily="49" charset="0"/>
+              </a:rPr>
+              <a:t>RoomNo</a:t>
+            </a:r>
+            <a:r>
+              <a:rPr lang="en-US" sz="1100" b="1" dirty="0">
+                <a:effectLst/>
+                <a:latin typeface="Consolas" panose="020B0609020204030204" pitchFamily="49" charset="0"/>
+              </a:rPr>
+              <a:t>={</a:t>
+            </a:r>
+            <a:r>
+              <a:rPr lang="en-US" sz="1100" b="1" dirty="0" err="1">
+                <a:effectLst/>
+                <a:latin typeface="Consolas" panose="020B0609020204030204" pitchFamily="49" charset="0"/>
+              </a:rPr>
+              <a:t>RoomNo</a:t>
+            </a:r>
+            <a:r>
+              <a:rPr lang="en-US" sz="1100" b="1" dirty="0">
+                <a:effectLst/>
+                <a:latin typeface="Consolas" panose="020B0609020204030204" pitchFamily="49" charset="0"/>
+              </a:rPr>
+              <a:t>}')</a:t>
+            </a:r>
+          </a:p>
+          <a:p>
+            <a:r>
+              <a:rPr lang="en-US" sz="1100" b="1" dirty="0">
+                <a:effectLst/>
+                <a:latin typeface="Consolas" panose="020B0609020204030204" pitchFamily="49" charset="0"/>
+              </a:rPr>
+              <a:t>    </a:t>
+            </a:r>
+            <a:r>
+              <a:rPr lang="en-US" sz="1100" b="1" dirty="0" err="1">
+                <a:effectLst/>
+                <a:latin typeface="Consolas" panose="020B0609020204030204" pitchFamily="49" charset="0"/>
+              </a:rPr>
+              <a:t>cs.execute</a:t>
+            </a:r>
+            <a:r>
+              <a:rPr lang="en-US" sz="1100" b="1" dirty="0">
+                <a:effectLst/>
+                <a:latin typeface="Consolas" panose="020B0609020204030204" pitchFamily="49" charset="0"/>
+              </a:rPr>
+              <a:t>(</a:t>
+            </a:r>
+            <a:r>
+              <a:rPr lang="en-US" sz="1100" b="1" dirty="0" err="1">
+                <a:effectLst/>
+                <a:latin typeface="Consolas" panose="020B0609020204030204" pitchFamily="49" charset="0"/>
+              </a:rPr>
+              <a:t>f'delete</a:t>
+            </a:r>
+            <a:r>
+              <a:rPr lang="en-US" sz="1100" b="1" dirty="0">
+                <a:effectLst/>
+                <a:latin typeface="Consolas" panose="020B0609020204030204" pitchFamily="49" charset="0"/>
+              </a:rPr>
+              <a:t> from Guests where </a:t>
+            </a:r>
+            <a:r>
+              <a:rPr lang="en-US" sz="1100" b="1" dirty="0" err="1">
+                <a:effectLst/>
+                <a:latin typeface="Consolas" panose="020B0609020204030204" pitchFamily="49" charset="0"/>
+              </a:rPr>
+              <a:t>Guest_ID</a:t>
+            </a:r>
+            <a:r>
+              <a:rPr lang="en-US" sz="1100" b="1" dirty="0">
+                <a:effectLst/>
+                <a:latin typeface="Consolas" panose="020B0609020204030204" pitchFamily="49" charset="0"/>
+              </a:rPr>
+              <a:t>={gid}')</a:t>
+            </a:r>
+          </a:p>
+          <a:p>
+            <a:r>
+              <a:rPr lang="en-US" sz="1100" b="1" dirty="0">
+                <a:effectLst/>
+                <a:latin typeface="Consolas" panose="020B0609020204030204" pitchFamily="49" charset="0"/>
+              </a:rPr>
+              <a:t>    </a:t>
+            </a:r>
+            <a:r>
+              <a:rPr lang="en-US" sz="1100" b="1" dirty="0" err="1">
+                <a:effectLst/>
+                <a:latin typeface="Consolas" panose="020B0609020204030204" pitchFamily="49" charset="0"/>
+              </a:rPr>
+              <a:t>cs.execute</a:t>
+            </a:r>
+            <a:r>
+              <a:rPr lang="en-US" sz="1100" b="1" dirty="0">
+                <a:effectLst/>
+                <a:latin typeface="Consolas" panose="020B0609020204030204" pitchFamily="49" charset="0"/>
+              </a:rPr>
+              <a:t>(</a:t>
+            </a:r>
+            <a:r>
+              <a:rPr lang="en-US" sz="1100" b="1" dirty="0" err="1">
+                <a:effectLst/>
+                <a:latin typeface="Consolas" panose="020B0609020204030204" pitchFamily="49" charset="0"/>
+              </a:rPr>
+              <a:t>f'delete</a:t>
+            </a:r>
+            <a:r>
+              <a:rPr lang="en-US" sz="1100" b="1" dirty="0">
+                <a:effectLst/>
+                <a:latin typeface="Consolas" panose="020B0609020204030204" pitchFamily="49" charset="0"/>
+              </a:rPr>
+              <a:t> from reservations where </a:t>
+            </a:r>
+            <a:r>
+              <a:rPr lang="en-US" sz="1100" b="1" dirty="0" err="1">
+                <a:effectLst/>
+                <a:latin typeface="Consolas" panose="020B0609020204030204" pitchFamily="49" charset="0"/>
+              </a:rPr>
+              <a:t>Reservation_ID</a:t>
+            </a:r>
+            <a:r>
+              <a:rPr lang="en-US" sz="1100" b="1" dirty="0">
+                <a:effectLst/>
+                <a:latin typeface="Consolas" panose="020B0609020204030204" pitchFamily="49" charset="0"/>
+              </a:rPr>
+              <a:t>={rid}')</a:t>
+            </a:r>
+          </a:p>
+          <a:p>
+            <a:r>
+              <a:rPr lang="en-US" sz="1100" b="1" dirty="0">
+                <a:effectLst/>
+                <a:latin typeface="Consolas" panose="020B0609020204030204" pitchFamily="49" charset="0"/>
+              </a:rPr>
+              <a:t>    </a:t>
+            </a:r>
+            <a:r>
+              <a:rPr lang="en-US" sz="1100" b="1" dirty="0" err="1">
+                <a:effectLst/>
+                <a:latin typeface="Consolas" panose="020B0609020204030204" pitchFamily="49" charset="0"/>
+              </a:rPr>
+              <a:t>cs.execute</a:t>
+            </a:r>
+            <a:r>
+              <a:rPr lang="en-US" sz="1100" b="1" dirty="0">
+                <a:effectLst/>
+                <a:latin typeface="Consolas" panose="020B0609020204030204" pitchFamily="49" charset="0"/>
+              </a:rPr>
+              <a:t>(</a:t>
+            </a:r>
+            <a:r>
+              <a:rPr lang="en-US" sz="1100" b="1" dirty="0" err="1">
+                <a:effectLst/>
+                <a:latin typeface="Consolas" panose="020B0609020204030204" pitchFamily="49" charset="0"/>
+              </a:rPr>
+              <a:t>f'insert</a:t>
+            </a:r>
+            <a:r>
+              <a:rPr lang="en-US" sz="1100" b="1" dirty="0">
+                <a:effectLst/>
+                <a:latin typeface="Consolas" panose="020B0609020204030204" pitchFamily="49" charset="0"/>
+              </a:rPr>
+              <a:t> into history values("{</a:t>
+            </a:r>
+            <a:r>
+              <a:rPr lang="en-US" sz="1100" b="1" dirty="0" err="1">
+                <a:effectLst/>
+                <a:latin typeface="Consolas" panose="020B0609020204030204" pitchFamily="49" charset="0"/>
+              </a:rPr>
+              <a:t>fname</a:t>
+            </a:r>
+            <a:r>
+              <a:rPr lang="en-US" sz="1100" b="1" dirty="0">
+                <a:effectLst/>
+                <a:latin typeface="Consolas" panose="020B0609020204030204" pitchFamily="49" charset="0"/>
+              </a:rPr>
+              <a:t>}","{</a:t>
+            </a:r>
+            <a:r>
+              <a:rPr lang="en-US" sz="1100" b="1" dirty="0" err="1">
+                <a:effectLst/>
+                <a:latin typeface="Consolas" panose="020B0609020204030204" pitchFamily="49" charset="0"/>
+              </a:rPr>
+              <a:t>lname</a:t>
+            </a:r>
+            <a:r>
+              <a:rPr lang="en-US" sz="1100" b="1" dirty="0">
+                <a:effectLst/>
+                <a:latin typeface="Consolas" panose="020B0609020204030204" pitchFamily="49" charset="0"/>
+              </a:rPr>
+              <a:t>}","{</a:t>
+            </a:r>
+            <a:r>
+              <a:rPr lang="en-US" sz="1100" b="1" dirty="0" err="1">
+                <a:effectLst/>
+                <a:latin typeface="Consolas" panose="020B0609020204030204" pitchFamily="49" charset="0"/>
+              </a:rPr>
+              <a:t>phonenum</a:t>
+            </a:r>
+            <a:r>
+              <a:rPr lang="en-US" sz="1100" b="1" dirty="0">
+                <a:effectLst/>
+                <a:latin typeface="Consolas" panose="020B0609020204030204" pitchFamily="49" charset="0"/>
+              </a:rPr>
+              <a:t>}",{</a:t>
             </a:r>
             <a:r>
               <a:rPr lang="en-US" sz="1100" b="1" dirty="0" err="1">
@@ -10378,93 +11108,111 @@
                 <a:effectLst/>
                 <a:latin typeface="Consolas" panose="020B0609020204030204" pitchFamily="49" charset="0"/>
               </a:rPr>
-              <a:t>,_,CheckIn,Checkout,_,</a:t>
-            </a:r>
-            <a:r>
-              <a:rPr lang="en-US" sz="1100" b="1" dirty="0" err="1">
-                <a:effectLst/>
-                <a:latin typeface="Consolas" panose="020B0609020204030204" pitchFamily="49" charset="0"/>
-              </a:rPr>
-              <a:t>RoomNo,Expenses</a:t>
-            </a:r>
-            <a:r>
-              <a:rPr lang="en-US" sz="1100" b="1" dirty="0">
-                <a:effectLst/>
-                <a:latin typeface="Consolas" panose="020B0609020204030204" pitchFamily="49" charset="0"/>
-              </a:rPr>
-              <a:t> = reservation</a:t>
-            </a:r>
-          </a:p>
-          <a:p>
-            <a:r>
-              <a:rPr lang="en-US" sz="1100" b="1" dirty="0">
-                <a:effectLst/>
-                <a:latin typeface="Consolas" panose="020B0609020204030204" pitchFamily="49" charset="0"/>
-              </a:rPr>
-              <a:t>    if </a:t>
-            </a:r>
-            <a:r>
-              <a:rPr lang="en-US" sz="1100" b="1" dirty="0" err="1">
-                <a:effectLst/>
-                <a:latin typeface="Consolas" panose="020B0609020204030204" pitchFamily="49" charset="0"/>
-              </a:rPr>
-              <a:t>RoomNo</a:t>
-            </a:r>
-            <a:r>
-              <a:rPr lang="en-US" sz="1100" b="1" dirty="0">
-                <a:effectLst/>
-                <a:latin typeface="Consolas" panose="020B0609020204030204" pitchFamily="49" charset="0"/>
-              </a:rPr>
-              <a:t>=='Not </a:t>
-            </a:r>
-            <a:r>
-              <a:rPr lang="en-US" sz="1100" b="1" dirty="0" err="1">
-                <a:effectLst/>
-                <a:latin typeface="Consolas" panose="020B0609020204030204" pitchFamily="49" charset="0"/>
-              </a:rPr>
-              <a:t>CheckedIn</a:t>
-            </a:r>
-            <a:r>
-              <a:rPr lang="en-US" sz="1100" b="1" dirty="0">
-                <a:effectLst/>
-                <a:latin typeface="Consolas" panose="020B0609020204030204" pitchFamily="49" charset="0"/>
-              </a:rPr>
-              <a:t>':</a:t>
-            </a:r>
-          </a:p>
-          <a:p>
-            <a:r>
-              <a:rPr lang="en-US" sz="1100" b="1" dirty="0">
-                <a:effectLst/>
-                <a:latin typeface="Consolas" panose="020B0609020204030204" pitchFamily="49" charset="0"/>
-              </a:rPr>
-              <a:t>        print('You cannot </a:t>
-            </a:r>
-            <a:r>
-              <a:rPr lang="en-US" sz="1100" b="1" dirty="0" err="1">
-                <a:effectLst/>
-                <a:latin typeface="Consolas" panose="020B0609020204030204" pitchFamily="49" charset="0"/>
-              </a:rPr>
-              <a:t>CheckOut</a:t>
-            </a:r>
-            <a:r>
-              <a:rPr lang="en-US" sz="1100" b="1" dirty="0">
-                <a:effectLst/>
-                <a:latin typeface="Consolas" panose="020B0609020204030204" pitchFamily="49" charset="0"/>
-              </a:rPr>
-              <a:t>')</a:t>
-            </a:r>
-          </a:p>
-          <a:p>
-            <a:r>
-              <a:rPr lang="en-US" sz="1100" b="1" dirty="0">
-                <a:effectLst/>
-                <a:latin typeface="Consolas" panose="020B0609020204030204" pitchFamily="49" charset="0"/>
-              </a:rPr>
-              <a:t>        return</a:t>
-            </a:r>
-          </a:p>
-          <a:p>
+              <a:t>},{Expenses},"{</a:t>
+            </a:r>
+            <a:r>
+              <a:rPr lang="en-US" sz="1100" b="1" dirty="0" err="1">
+                <a:effectLst/>
+                <a:latin typeface="Consolas" panose="020B0609020204030204" pitchFamily="49" charset="0"/>
+              </a:rPr>
+              <a:t>CheckIn</a:t>
+            </a:r>
+            <a:r>
+              <a:rPr lang="en-US" sz="1100" b="1" dirty="0">
+                <a:effectLst/>
+                <a:latin typeface="Consolas" panose="020B0609020204030204" pitchFamily="49" charset="0"/>
+              </a:rPr>
+              <a:t>}","{Checkout}",{score},"{comments}")')</a:t>
+            </a:r>
+          </a:p>
+          <a:p>
+            <a:r>
+              <a:rPr lang="en-US" sz="1100" b="1" dirty="0">
+                <a:effectLst/>
+                <a:latin typeface="Consolas" panose="020B0609020204030204" pitchFamily="49" charset="0"/>
+              </a:rPr>
+              <a:t>    </a:t>
+            </a:r>
+            <a:r>
+              <a:rPr lang="en-US" sz="1100" b="1" dirty="0" err="1">
+                <a:effectLst/>
+                <a:latin typeface="Consolas" panose="020B0609020204030204" pitchFamily="49" charset="0"/>
+              </a:rPr>
+              <a:t>db.commit</a:t>
+            </a:r>
+            <a:r>
+              <a:rPr lang="en-US" sz="1100" b="1" dirty="0">
+                <a:effectLst/>
+                <a:latin typeface="Consolas" panose="020B0609020204030204" pitchFamily="49" charset="0"/>
+              </a:rPr>
+              <a:t>() print('Checkout Successful')</a:t>
+            </a:r>
+          </a:p>
+          <a:p>
+            <a:r>
+              <a:rPr lang="en-US" sz="1100" b="1" dirty="0">
+                <a:effectLst/>
+                <a:latin typeface="Consolas" panose="020B0609020204030204" pitchFamily="49" charset="0"/>
+              </a:rPr>
+              <a:t>def </a:t>
+            </a:r>
+            <a:r>
+              <a:rPr lang="en-US" sz="1100" b="1" dirty="0" err="1">
+                <a:effectLst/>
+                <a:latin typeface="Consolas" panose="020B0609020204030204" pitchFamily="49" charset="0"/>
+              </a:rPr>
+              <a:t>userpanel</a:t>
+            </a:r>
+            <a:r>
+              <a:rPr lang="en-US" sz="1100" b="1" dirty="0">
+                <a:effectLst/>
+                <a:latin typeface="Consolas" panose="020B0609020204030204" pitchFamily="49" charset="0"/>
+              </a:rPr>
+              <a:t>():    </a:t>
+            </a:r>
+          </a:p>
+          <a:p>
+            <a:r>
+              <a:rPr lang="en-US" sz="1100" b="1" dirty="0">
+                <a:effectLst/>
+                <a:latin typeface="Consolas" panose="020B0609020204030204" pitchFamily="49" charset="0"/>
+              </a:rPr>
+              <a:t>    while True:</a:t>
+            </a:r>
+          </a:p>
+          <a:p>
+            <a:r>
+              <a:rPr lang="en-US" sz="1100" b="1" dirty="0">
+                <a:effectLst/>
+                <a:latin typeface="Consolas" panose="020B0609020204030204" pitchFamily="49" charset="0"/>
+              </a:rPr>
+              <a:t>        print('Welcome to The Paradise\n')</a:t>
+            </a:r>
+          </a:p>
+          <a:p>
+            <a:r>
+              <a:rPr lang="en-US" sz="1100" b="1" dirty="0">
+                <a:effectLst/>
+                <a:latin typeface="Consolas" panose="020B0609020204030204" pitchFamily="49" charset="0"/>
+              </a:rPr>
+              <a:t>        print("""1)Make a Reservation</a:t>
+            </a:r>
+          </a:p>
+          <a:p>
+            <a:r>
+              <a:rPr lang="en-US" sz="1100" b="1" dirty="0">
+                <a:effectLst/>
+                <a:latin typeface="Consolas" panose="020B0609020204030204" pitchFamily="49" charset="0"/>
+              </a:rPr>
+              <a:t>2)</a:t>
+            </a:r>
+            <a:r>
+              <a:rPr lang="en-US" sz="1100" b="1" dirty="0" err="1">
+                <a:effectLst/>
+                <a:latin typeface="Consolas" panose="020B0609020204030204" pitchFamily="49" charset="0"/>
+              </a:rPr>
+              <a:t>CheckIn</a:t>
+            </a:r>
             <a:endParaRPr lang="en-US" sz="1100" b="1" dirty="0">
               <a:effectLst/>
               <a:latin typeface="Consolas" panose="020B0609020204030204" pitchFamily="49" charset="0"/>
@@ -10476,624 +11224,6 @@
                 <a:effectLst/>
                 <a:latin typeface="Consolas" panose="020B0609020204030204" pitchFamily="49" charset="0"/>
               </a:rPr>
-              <a:t>    </a:t>
-            </a:r>
-            <a:r>
-              <a:rPr lang="en-US" sz="1100" b="1" dirty="0" err="1">
-                <a:effectLst/>
-                <a:latin typeface="Consolas" panose="020B0609020204030204" pitchFamily="49" charset="0"/>
-              </a:rPr>
-              <a:t>cs.execute</a:t>
-            </a:r>
-            <a:r>
-              <a:rPr lang="en-US" sz="1100" b="1" dirty="0">
-                <a:effectLst/>
-                <a:latin typeface="Consolas" panose="020B0609020204030204" pitchFamily="49" charset="0"/>
-              </a:rPr>
-              <a:t>(</a:t>
-            </a:r>
-            <a:r>
-              <a:rPr lang="en-US" sz="1100" b="1" dirty="0" err="1">
-                <a:effectLst/>
-                <a:latin typeface="Consolas" panose="020B0609020204030204" pitchFamily="49" charset="0"/>
-              </a:rPr>
-              <a:t>f'select</a:t>
-            </a:r>
-            <a:r>
-              <a:rPr lang="en-US" sz="1100" b="1" dirty="0">
-                <a:effectLst/>
-                <a:latin typeface="Consolas" panose="020B0609020204030204" pitchFamily="49" charset="0"/>
-              </a:rPr>
-              <a:t> </a:t>
-            </a:r>
-            <a:r>
-              <a:rPr lang="en-US" sz="1100" b="1" dirty="0" err="1">
-                <a:effectLst/>
-                <a:latin typeface="Consolas" panose="020B0609020204030204" pitchFamily="49" charset="0"/>
-              </a:rPr>
-              <a:t>First_Name,Last_Name</a:t>
-            </a:r>
-            <a:r>
-              <a:rPr lang="en-US" sz="1100" b="1" dirty="0">
-                <a:effectLst/>
-                <a:latin typeface="Consolas" panose="020B0609020204030204" pitchFamily="49" charset="0"/>
-              </a:rPr>
-              <a:t> from Guests where </a:t>
-            </a:r>
-            <a:r>
-              <a:rPr lang="en-US" sz="1100" b="1" dirty="0" err="1">
-                <a:effectLst/>
-                <a:latin typeface="Consolas" panose="020B0609020204030204" pitchFamily="49" charset="0"/>
-              </a:rPr>
-              <a:t>Phone_Number</a:t>
-            </a:r>
-            <a:r>
-              <a:rPr lang="en-US" sz="1100" b="1" dirty="0">
-                <a:effectLst/>
-                <a:latin typeface="Consolas" panose="020B0609020204030204" pitchFamily="49" charset="0"/>
-              </a:rPr>
-              <a:t>="{</a:t>
-            </a:r>
-            <a:r>
-              <a:rPr lang="en-US" sz="1100" b="1" dirty="0" err="1">
-                <a:effectLst/>
-                <a:latin typeface="Consolas" panose="020B0609020204030204" pitchFamily="49" charset="0"/>
-              </a:rPr>
-              <a:t>phonenum</a:t>
-            </a:r>
-            <a:r>
-              <a:rPr lang="en-US" sz="1100" b="1" dirty="0">
-                <a:effectLst/>
-                <a:latin typeface="Consolas" panose="020B0609020204030204" pitchFamily="49" charset="0"/>
-              </a:rPr>
-              <a:t>}"')</a:t>
-            </a:r>
-          </a:p>
-          <a:p>
-            <a:r>
-              <a:rPr lang="en-US" sz="1100" b="1" dirty="0">
-                <a:effectLst/>
-                <a:latin typeface="Consolas" panose="020B0609020204030204" pitchFamily="49" charset="0"/>
-              </a:rPr>
-              <a:t>    </a:t>
-            </a:r>
-            <a:r>
-              <a:rPr lang="en-US" sz="1100" b="1" dirty="0" err="1">
-                <a:effectLst/>
-                <a:latin typeface="Consolas" panose="020B0609020204030204" pitchFamily="49" charset="0"/>
-              </a:rPr>
-              <a:t>fname,lname</a:t>
-            </a:r>
-            <a:r>
-              <a:rPr lang="en-US" sz="1100" b="1" dirty="0">
-                <a:effectLst/>
-                <a:latin typeface="Consolas" panose="020B0609020204030204" pitchFamily="49" charset="0"/>
-              </a:rPr>
-              <a:t>=</a:t>
-            </a:r>
-            <a:r>
-              <a:rPr lang="en-US" sz="1100" b="1" dirty="0" err="1">
-                <a:effectLst/>
-                <a:latin typeface="Consolas" panose="020B0609020204030204" pitchFamily="49" charset="0"/>
-              </a:rPr>
-              <a:t>cs.fetchall</a:t>
-            </a:r>
-            <a:r>
-              <a:rPr lang="en-US" sz="1100" b="1" dirty="0">
-                <a:effectLst/>
-                <a:latin typeface="Consolas" panose="020B0609020204030204" pitchFamily="49" charset="0"/>
-              </a:rPr>
-              <a:t>()[0]</a:t>
-            </a:r>
-          </a:p>
-          <a:p>
-            <a:endParaRPr lang="en-US" sz="1100" b="1" dirty="0">
-              <a:effectLst/>
-              <a:latin typeface="Consolas" panose="020B0609020204030204" pitchFamily="49" charset="0"/>
-            </a:endParaRPr>
-          </a:p>
-          <a:p>
-            <a:r>
-              <a:rPr lang="en-US" sz="1100" b="1" dirty="0">
-                <a:effectLst/>
-                <a:latin typeface="Consolas" panose="020B0609020204030204" pitchFamily="49" charset="0"/>
-              </a:rPr>
-              <a:t>    score=int(input(</a:t>
-            </a:r>
-            <a:r>
-              <a:rPr lang="en-US" sz="1100" b="1" dirty="0" err="1">
-                <a:effectLst/>
-                <a:latin typeface="Consolas" panose="020B0609020204030204" pitchFamily="49" charset="0"/>
-              </a:rPr>
-              <a:t>f'On</a:t>
-            </a:r>
-            <a:r>
-              <a:rPr lang="en-US" sz="1100" b="1" dirty="0">
-                <a:effectLst/>
-                <a:latin typeface="Consolas" panose="020B0609020204030204" pitchFamily="49" charset="0"/>
-              </a:rPr>
-              <a:t> a scale of 1-10 how would you rate your stay {</a:t>
-            </a:r>
-            <a:r>
-              <a:rPr lang="en-US" sz="1100" b="1" dirty="0" err="1">
-                <a:effectLst/>
-                <a:latin typeface="Consolas" panose="020B0609020204030204" pitchFamily="49" charset="0"/>
-              </a:rPr>
-              <a:t>fname</a:t>
-            </a:r>
-            <a:r>
-              <a:rPr lang="en-US" sz="1100" b="1" dirty="0">
-                <a:effectLst/>
-                <a:latin typeface="Consolas" panose="020B0609020204030204" pitchFamily="49" charset="0"/>
-              </a:rPr>
-              <a:t>}:'))</a:t>
-            </a:r>
-          </a:p>
-          <a:p>
-            <a:r>
-              <a:rPr lang="en-US" sz="1100" b="1" dirty="0">
-                <a:effectLst/>
-                <a:latin typeface="Consolas" panose="020B0609020204030204" pitchFamily="49" charset="0"/>
-              </a:rPr>
-              <a:t>    if score&lt;1 or score&gt;10:</a:t>
-            </a:r>
-          </a:p>
-          <a:p>
-            <a:r>
-              <a:rPr lang="en-US" sz="1100" b="1" dirty="0">
-                <a:effectLst/>
-                <a:latin typeface="Consolas" panose="020B0609020204030204" pitchFamily="49" charset="0"/>
-              </a:rPr>
-              <a:t>        print('Invalid Score')</a:t>
-            </a:r>
-          </a:p>
-          <a:p>
-            <a:r>
-              <a:rPr lang="en-US" sz="1100" b="1" dirty="0">
-                <a:effectLst/>
-                <a:latin typeface="Consolas" panose="020B0609020204030204" pitchFamily="49" charset="0"/>
-              </a:rPr>
-              <a:t>        return</a:t>
-            </a:r>
-          </a:p>
-          <a:p>
-            <a:r>
-              <a:rPr lang="en-US" sz="1100" b="1" dirty="0">
-                <a:effectLst/>
-                <a:latin typeface="Consolas" panose="020B0609020204030204" pitchFamily="49" charset="0"/>
-              </a:rPr>
-              <a:t>    comments=input('Anything You want to say about your stay?\n')</a:t>
-            </a:r>
-          </a:p>
-          <a:p>
-            <a:r>
-              <a:rPr lang="en-US" sz="1100" b="1" dirty="0">
-                <a:effectLst/>
-                <a:latin typeface="Consolas" panose="020B0609020204030204" pitchFamily="49" charset="0"/>
-              </a:rPr>
-              <a:t>    </a:t>
-            </a:r>
-            <a:r>
-              <a:rPr lang="en-US" sz="1100" b="1" dirty="0" err="1">
-                <a:effectLst/>
-                <a:latin typeface="Consolas" panose="020B0609020204030204" pitchFamily="49" charset="0"/>
-              </a:rPr>
-              <a:t>cs.execute</a:t>
-            </a:r>
-            <a:r>
-              <a:rPr lang="en-US" sz="1100" b="1" dirty="0">
-                <a:effectLst/>
-                <a:latin typeface="Consolas" panose="020B0609020204030204" pitchFamily="49" charset="0"/>
-              </a:rPr>
-              <a:t>(</a:t>
-            </a:r>
-            <a:r>
-              <a:rPr lang="en-US" sz="1100" b="1" dirty="0" err="1">
-                <a:effectLst/>
-                <a:latin typeface="Consolas" panose="020B0609020204030204" pitchFamily="49" charset="0"/>
-              </a:rPr>
-              <a:t>f'update</a:t>
-            </a:r>
-            <a:r>
-              <a:rPr lang="en-US" sz="1100" b="1" dirty="0">
-                <a:effectLst/>
-                <a:latin typeface="Consolas" panose="020B0609020204030204" pitchFamily="49" charset="0"/>
-              </a:rPr>
-              <a:t> Rooms set Status="Cleaning",</a:t>
-            </a:r>
-            <a:r>
-              <a:rPr lang="en-US" sz="1100" b="1" dirty="0" err="1">
-                <a:effectLst/>
-                <a:latin typeface="Consolas" panose="020B0609020204030204" pitchFamily="49" charset="0"/>
-              </a:rPr>
-              <a:t>ReservationID</a:t>
-            </a:r>
-            <a:r>
-              <a:rPr lang="en-US" sz="1100" b="1" dirty="0">
-                <a:effectLst/>
-                <a:latin typeface="Consolas" panose="020B0609020204030204" pitchFamily="49" charset="0"/>
-              </a:rPr>
-              <a:t>=NULL where </a:t>
-            </a:r>
-            <a:r>
-              <a:rPr lang="en-US" sz="1100" b="1" dirty="0" err="1">
-                <a:effectLst/>
-                <a:latin typeface="Consolas" panose="020B0609020204030204" pitchFamily="49" charset="0"/>
-              </a:rPr>
-              <a:t>RoomNo</a:t>
-            </a:r>
-            <a:r>
-              <a:rPr lang="en-US" sz="1100" b="1" dirty="0">
-                <a:effectLst/>
-                <a:latin typeface="Consolas" panose="020B0609020204030204" pitchFamily="49" charset="0"/>
-              </a:rPr>
-              <a:t>={</a:t>
-            </a:r>
-            <a:r>
-              <a:rPr lang="en-US" sz="1100" b="1" dirty="0" err="1">
-                <a:effectLst/>
-                <a:latin typeface="Consolas" panose="020B0609020204030204" pitchFamily="49" charset="0"/>
-              </a:rPr>
-              <a:t>RoomNo</a:t>
-            </a:r>
-            <a:r>
-              <a:rPr lang="en-US" sz="1100" b="1" dirty="0">
-                <a:effectLst/>
-                <a:latin typeface="Consolas" panose="020B0609020204030204" pitchFamily="49" charset="0"/>
-              </a:rPr>
-              <a:t>}')</a:t>
-            </a:r>
-          </a:p>
-          <a:p>
-            <a:r>
-              <a:rPr lang="en-US" sz="1100" b="1" dirty="0">
-                <a:effectLst/>
-                <a:latin typeface="Consolas" panose="020B0609020204030204" pitchFamily="49" charset="0"/>
-              </a:rPr>
-              <a:t>    </a:t>
-            </a:r>
-            <a:r>
-              <a:rPr lang="en-US" sz="1100" b="1" dirty="0" err="1">
-                <a:effectLst/>
-                <a:latin typeface="Consolas" panose="020B0609020204030204" pitchFamily="49" charset="0"/>
-              </a:rPr>
-              <a:t>cs.execute</a:t>
-            </a:r>
-            <a:r>
-              <a:rPr lang="en-US" sz="1100" b="1" dirty="0">
-                <a:effectLst/>
-                <a:latin typeface="Consolas" panose="020B0609020204030204" pitchFamily="49" charset="0"/>
-              </a:rPr>
-              <a:t>(</a:t>
-            </a:r>
-            <a:r>
-              <a:rPr lang="en-US" sz="1100" b="1" dirty="0" err="1">
-                <a:effectLst/>
-                <a:latin typeface="Consolas" panose="020B0609020204030204" pitchFamily="49" charset="0"/>
-              </a:rPr>
-              <a:t>f'delete</a:t>
-            </a:r>
-            <a:r>
-              <a:rPr lang="en-US" sz="1100" b="1" dirty="0">
-                <a:effectLst/>
-                <a:latin typeface="Consolas" panose="020B0609020204030204" pitchFamily="49" charset="0"/>
-              </a:rPr>
-              <a:t> from Guests where </a:t>
-            </a:r>
-            <a:r>
-              <a:rPr lang="en-US" sz="1100" b="1" dirty="0" err="1">
-                <a:effectLst/>
-                <a:latin typeface="Consolas" panose="020B0609020204030204" pitchFamily="49" charset="0"/>
-              </a:rPr>
-              <a:t>Guest_ID</a:t>
-            </a:r>
-            <a:r>
-              <a:rPr lang="en-US" sz="1100" b="1" dirty="0">
-                <a:effectLst/>
-                <a:latin typeface="Consolas" panose="020B0609020204030204" pitchFamily="49" charset="0"/>
-              </a:rPr>
-              <a:t>={gid}')</a:t>
-            </a:r>
-          </a:p>
-          <a:p>
-            <a:r>
-              <a:rPr lang="en-US" sz="1100" b="1" dirty="0">
-                <a:effectLst/>
-                <a:latin typeface="Consolas" panose="020B0609020204030204" pitchFamily="49" charset="0"/>
-              </a:rPr>
-              <a:t>    </a:t>
-            </a:r>
-            <a:r>
-              <a:rPr lang="en-US" sz="1100" b="1" dirty="0" err="1">
-                <a:effectLst/>
-                <a:latin typeface="Consolas" panose="020B0609020204030204" pitchFamily="49" charset="0"/>
-              </a:rPr>
-              <a:t>cs.execute</a:t>
-            </a:r>
-            <a:r>
-              <a:rPr lang="en-US" sz="1100" b="1" dirty="0">
-                <a:effectLst/>
-                <a:latin typeface="Consolas" panose="020B0609020204030204" pitchFamily="49" charset="0"/>
-              </a:rPr>
-              <a:t>(</a:t>
-            </a:r>
-            <a:r>
-              <a:rPr lang="en-US" sz="1100" b="1" dirty="0" err="1">
-                <a:effectLst/>
-                <a:latin typeface="Consolas" panose="020B0609020204030204" pitchFamily="49" charset="0"/>
-              </a:rPr>
-              <a:t>f'delete</a:t>
-            </a:r>
-            <a:r>
-              <a:rPr lang="en-US" sz="1100" b="1" dirty="0">
-                <a:effectLst/>
-                <a:latin typeface="Consolas" panose="020B0609020204030204" pitchFamily="49" charset="0"/>
-              </a:rPr>
-              <a:t> from reservations where </a:t>
-            </a:r>
-            <a:r>
-              <a:rPr lang="en-US" sz="1100" b="1" dirty="0" err="1">
-                <a:effectLst/>
-                <a:latin typeface="Consolas" panose="020B0609020204030204" pitchFamily="49" charset="0"/>
-              </a:rPr>
-              <a:t>Reservation_ID</a:t>
-            </a:r>
-            <a:r>
-              <a:rPr lang="en-US" sz="1100" b="1" dirty="0">
-                <a:effectLst/>
-                <a:latin typeface="Consolas" panose="020B0609020204030204" pitchFamily="49" charset="0"/>
-              </a:rPr>
-              <a:t>={rid}')</a:t>
-            </a:r>
-          </a:p>
-          <a:p>
-            <a:r>
-              <a:rPr lang="en-US" sz="1100" b="1" dirty="0">
-                <a:effectLst/>
-                <a:latin typeface="Consolas" panose="020B0609020204030204" pitchFamily="49" charset="0"/>
-              </a:rPr>
-              <a:t>    </a:t>
-            </a:r>
-            <a:r>
-              <a:rPr lang="en-US" sz="1100" b="1" dirty="0" err="1">
-                <a:effectLst/>
-                <a:latin typeface="Consolas" panose="020B0609020204030204" pitchFamily="49" charset="0"/>
-              </a:rPr>
-              <a:t>cs.execute</a:t>
-            </a:r>
-            <a:r>
-              <a:rPr lang="en-US" sz="1100" b="1" dirty="0">
-                <a:effectLst/>
-                <a:latin typeface="Consolas" panose="020B0609020204030204" pitchFamily="49" charset="0"/>
-              </a:rPr>
-              <a:t>(</a:t>
-            </a:r>
-            <a:r>
-              <a:rPr lang="en-US" sz="1100" b="1" dirty="0" err="1">
-                <a:effectLst/>
-                <a:latin typeface="Consolas" panose="020B0609020204030204" pitchFamily="49" charset="0"/>
-              </a:rPr>
-              <a:t>f'insert</a:t>
-            </a:r>
-            <a:r>
-              <a:rPr lang="en-US" sz="1100" b="1" dirty="0">
-                <a:effectLst/>
-                <a:latin typeface="Consolas" panose="020B0609020204030204" pitchFamily="49" charset="0"/>
-              </a:rPr>
-              <a:t> into history values("{</a:t>
-            </a:r>
-            <a:r>
-              <a:rPr lang="en-US" sz="1100" b="1" dirty="0" err="1">
-                <a:effectLst/>
-                <a:latin typeface="Consolas" panose="020B0609020204030204" pitchFamily="49" charset="0"/>
-              </a:rPr>
-              <a:t>fname</a:t>
-            </a:r>
-            <a:r>
-              <a:rPr lang="en-US" sz="1100" b="1" dirty="0">
-                <a:effectLst/>
-                <a:latin typeface="Consolas" panose="020B0609020204030204" pitchFamily="49" charset="0"/>
-              </a:rPr>
-              <a:t>}","{</a:t>
-            </a:r>
-            <a:r>
-              <a:rPr lang="en-US" sz="1100" b="1" dirty="0" err="1">
-                <a:effectLst/>
-                <a:latin typeface="Consolas" panose="020B0609020204030204" pitchFamily="49" charset="0"/>
-              </a:rPr>
-              <a:t>lname</a:t>
-            </a:r>
-            <a:r>
-              <a:rPr lang="en-US" sz="1100" b="1" dirty="0">
-                <a:effectLst/>
-                <a:latin typeface="Consolas" panose="020B0609020204030204" pitchFamily="49" charset="0"/>
-              </a:rPr>
-              <a:t>}","{</a:t>
-            </a:r>
-            <a:r>
-              <a:rPr lang="en-US" sz="1100" b="1" dirty="0" err="1">
-                <a:effectLst/>
-                <a:latin typeface="Consolas" panose="020B0609020204030204" pitchFamily="49" charset="0"/>
-              </a:rPr>
-              <a:t>phonenum</a:t>
-            </a:r>
-            <a:r>
-              <a:rPr lang="en-US" sz="1100" b="1" dirty="0">
-                <a:effectLst/>
-                <a:latin typeface="Consolas" panose="020B0609020204030204" pitchFamily="49" charset="0"/>
-              </a:rPr>
-              <a:t>}",{</a:t>
-            </a:r>
-            <a:r>
-              <a:rPr lang="en-US" sz="1100" b="1" dirty="0" err="1">
-                <a:effectLst/>
-                <a:latin typeface="Consolas" panose="020B0609020204030204" pitchFamily="49" charset="0"/>
-              </a:rPr>
-              <a:t>Pkcode</a:t>
-            </a:r>
-            <a:r>
-              <a:rPr lang="en-US" sz="1100" b="1" dirty="0">
-                <a:effectLst/>
-                <a:latin typeface="Consolas" panose="020B0609020204030204" pitchFamily="49" charset="0"/>
-              </a:rPr>
-              <a:t>},{Expenses},"{</a:t>
-            </a:r>
-            <a:r>
-              <a:rPr lang="en-US" sz="1100" b="1" dirty="0" err="1">
-                <a:effectLst/>
-                <a:latin typeface="Consolas" panose="020B0609020204030204" pitchFamily="49" charset="0"/>
-              </a:rPr>
-              <a:t>CheckIn</a:t>
-            </a:r>
-            <a:r>
-              <a:rPr lang="en-US" sz="1100" b="1" dirty="0">
-                <a:effectLst/>
-                <a:latin typeface="Consolas" panose="020B0609020204030204" pitchFamily="49" charset="0"/>
-              </a:rPr>
-              <a:t>}","{Checkout}",{score},"{comments}")')</a:t>
-            </a:r>
-          </a:p>
-          <a:p>
-            <a:r>
-              <a:rPr lang="en-US" sz="1100" b="1" dirty="0">
-                <a:effectLst/>
-                <a:latin typeface="Consolas" panose="020B0609020204030204" pitchFamily="49" charset="0"/>
-              </a:rPr>
-              <a:t>    </a:t>
-            </a:r>
-            <a:r>
-              <a:rPr lang="en-US" sz="1100" b="1" dirty="0" err="1">
-                <a:effectLst/>
-                <a:latin typeface="Consolas" panose="020B0609020204030204" pitchFamily="49" charset="0"/>
-              </a:rPr>
-              <a:t>db.commit</a:t>
-            </a:r>
-            <a:r>
-              <a:rPr lang="en-US" sz="1100" b="1" dirty="0">
-                <a:effectLst/>
-                <a:latin typeface="Consolas" panose="020B0609020204030204" pitchFamily="49" charset="0"/>
-              </a:rPr>
-              <a:t>()</a:t>
-            </a:r>
-          </a:p>
-          <a:p>
-            <a:endParaRPr lang="en-US" sz="1100" b="1" dirty="0">
-              <a:effectLst/>
-              <a:latin typeface="Consolas" panose="020B0609020204030204" pitchFamily="49" charset="0"/>
-            </a:endParaRPr>
-          </a:p>
-          <a:p>
-            <a:r>
-              <a:rPr lang="en-US" sz="1100" b="1" dirty="0">
-                <a:effectLst/>
-                <a:latin typeface="Consolas" panose="020B0609020204030204" pitchFamily="49" charset="0"/>
-              </a:rPr>
-              <a:t>    print()</a:t>
-            </a:r>
-          </a:p>
-          <a:p>
-            <a:r>
-              <a:rPr lang="en-US" sz="1100" b="1" dirty="0">
-                <a:effectLst/>
-                <a:latin typeface="Consolas" panose="020B0609020204030204" pitchFamily="49" charset="0"/>
-              </a:rPr>
-              <a:t>    print('Checkout Successful')</a:t>
-            </a:r>
-          </a:p>
-          <a:p>
-            <a:r>
-              <a:rPr lang="en-US" sz="1100" b="1" dirty="0">
-                <a:effectLst/>
-                <a:latin typeface="Consolas" panose="020B0609020204030204" pitchFamily="49" charset="0"/>
-              </a:rPr>
-              <a:t>def </a:t>
-            </a:r>
-            <a:r>
-              <a:rPr lang="en-US" sz="1100" b="1" dirty="0" err="1">
-                <a:effectLst/>
-                <a:latin typeface="Consolas" panose="020B0609020204030204" pitchFamily="49" charset="0"/>
-              </a:rPr>
-              <a:t>userpanel</a:t>
-            </a:r>
-            <a:r>
-              <a:rPr lang="en-US" sz="1100" b="1" dirty="0">
-                <a:effectLst/>
-                <a:latin typeface="Consolas" panose="020B0609020204030204" pitchFamily="49" charset="0"/>
-              </a:rPr>
-              <a:t>():    </a:t>
-            </a:r>
-          </a:p>
-          <a:p>
-            <a:r>
-              <a:rPr lang="en-US" sz="1100" b="1" dirty="0">
-                <a:effectLst/>
-                <a:latin typeface="Consolas" panose="020B0609020204030204" pitchFamily="49" charset="0"/>
-              </a:rPr>
-              <a:t>    while True:</a:t>
-            </a:r>
-          </a:p>
-          <a:p>
-            <a:r>
-              <a:rPr lang="en-US" sz="1100" b="1" dirty="0">
-                <a:effectLst/>
-                <a:latin typeface="Consolas" panose="020B0609020204030204" pitchFamily="49" charset="0"/>
-              </a:rPr>
-              <a:t>        print('')</a:t>
-            </a:r>
-          </a:p>
-          <a:p>
-            <a:r>
-              <a:rPr lang="en-US" sz="1100" b="1" dirty="0">
-                <a:effectLst/>
-                <a:latin typeface="Consolas" panose="020B0609020204030204" pitchFamily="49" charset="0"/>
-              </a:rPr>
-              <a:t>        print('Welcome to The Paradise\n')</a:t>
-            </a:r>
-          </a:p>
-          <a:p>
-            <a:r>
-              <a:rPr lang="en-US" sz="1100" b="1" dirty="0">
-                <a:effectLst/>
-                <a:latin typeface="Consolas" panose="020B0609020204030204" pitchFamily="49" charset="0"/>
-              </a:rPr>
-              <a:t>        print("""</a:t>
-            </a:r>
-          </a:p>
-          <a:p>
-            <a:r>
-              <a:rPr lang="en-US" sz="1100" b="1" dirty="0">
-                <a:effectLst/>
-                <a:latin typeface="Consolas" panose="020B0609020204030204" pitchFamily="49" charset="0"/>
-              </a:rPr>
-              <a:t>1)Make a Reservation</a:t>
-            </a:r>
-          </a:p>
-          <a:p>
-            <a:r>
-              <a:rPr lang="en-US" sz="1100" b="1" dirty="0">
-                <a:effectLst/>
-                <a:latin typeface="Consolas" panose="020B0609020204030204" pitchFamily="49" charset="0"/>
-              </a:rPr>
-              <a:t>2)</a:t>
-            </a:r>
-            <a:r>
-              <a:rPr lang="en-US" sz="1100" b="1" dirty="0" err="1">
-                <a:effectLst/>
-                <a:latin typeface="Consolas" panose="020B0609020204030204" pitchFamily="49" charset="0"/>
-              </a:rPr>
-              <a:t>CheckIn</a:t>
-            </a:r>
-            <a:endParaRPr lang="en-US" sz="1100" b="1" dirty="0">
-              <a:effectLst/>
-              <a:latin typeface="Consolas" panose="020B0609020204030204" pitchFamily="49" charset="0"/>
-            </a:endParaRPr>
-          </a:p>
-          <a:p>
-            <a:r>
-              <a:rPr lang="en-US" sz="1100" b="1" dirty="0">
-                <a:effectLst/>
-                <a:latin typeface="Consolas" panose="020B0609020204030204" pitchFamily="49" charset="0"/>
-              </a:rPr>
               <a:t>3)Checkout</a:t>
             </a:r>
           </a:p>
@@ -11103,16 +11233,7 @@
                 <a:effectLst/>
                 <a:latin typeface="Consolas" panose="020B0609020204030204" pitchFamily="49" charset="0"/>
               </a:rPr>
-              <a:t>4)Back</a:t>
-            </a:r>
-          </a:p>
-          <a:p>
-            <a:r>
-              <a:rPr lang="en-US" sz="1100" b="1" dirty="0">
-                <a:effectLst/>
-                <a:latin typeface="Consolas" panose="020B0609020204030204" pitchFamily="49" charset="0"/>
-              </a:rPr>
-              <a:t>""")</a:t>
+              <a:t>4)Back""")</a:t>
             </a:r>
           </a:p>
           <a:p>
@@ -11135,59 +11256,7 @@
                 <a:effectLst/>
                 <a:latin typeface="Consolas" panose="020B0609020204030204" pitchFamily="49" charset="0"/>
               </a:rPr>
-              <a:t>=int(input('Enter choice:'))</a:t>
-            </a:r>
-          </a:p>
-          <a:p>
-            <a:r>
-              <a:rPr lang="en-US" sz="1100" b="1" dirty="0">
-                <a:effectLst/>
-                <a:latin typeface="Consolas" panose="020B0609020204030204" pitchFamily="49" charset="0"/>
-              </a:rPr>
-              <a:t>        </a:t>
-            </a:r>
-            <a:r>
-              <a:rPr lang="en-US" sz="1100" b="1" dirty="0" err="1">
-                <a:effectLst/>
-                <a:latin typeface="Consolas" panose="020B0609020204030204" pitchFamily="49" charset="0"/>
-              </a:rPr>
-              <a:t>os.system</a:t>
-            </a:r>
-            <a:r>
-              <a:rPr lang="en-US" sz="1100" b="1" dirty="0">
-                <a:effectLst/>
-                <a:latin typeface="Consolas" panose="020B0609020204030204" pitchFamily="49" charset="0"/>
-              </a:rPr>
-              <a:t>('</a:t>
-            </a:r>
-            <a:r>
-              <a:rPr lang="en-US" sz="1100" b="1" dirty="0" err="1">
-                <a:effectLst/>
-                <a:latin typeface="Consolas" panose="020B0609020204030204" pitchFamily="49" charset="0"/>
-              </a:rPr>
-              <a:t>cls</a:t>
-            </a:r>
-            <a:r>
-              <a:rPr lang="en-US" sz="1100" b="1" dirty="0">
-                <a:effectLst/>
-                <a:latin typeface="Consolas" panose="020B0609020204030204" pitchFamily="49" charset="0"/>
-              </a:rPr>
-              <a:t>')</a:t>
-            </a:r>
-          </a:p>
-          <a:p>
-            <a:endParaRPr lang="en-US" sz="1100" b="1" dirty="0">
-              <a:effectLst/>
-              <a:latin typeface="Consolas" panose="020B0609020204030204" pitchFamily="49" charset="0"/>
-            </a:endParaRPr>
-          </a:p>
-          <a:p>
-            <a:r>
-              <a:rPr lang="en-US" sz="1100" b="1" dirty="0">
-                <a:effectLst/>
-                <a:latin typeface="Consolas" panose="020B0609020204030204" pitchFamily="49" charset="0"/>
-              </a:rPr>
-              <a:t>        if </a:t>
+              <a:t>=int(input('Enter choice:') if </a:t>
             </a:r>
             <a:r>
               <a:rPr lang="en-US" sz="1100" b="1" dirty="0" err="1">
@@ -16897,35 +16966,6 @@
           </a:p>
         </p:txBody>
       </p:sp>
-      <p:pic>
-        <p:nvPicPr>
-          <p:cNvPr id="3" name="Picture 2">
-            <a:extLst>
-              <a:ext uri="{FF2B5EF4-FFF2-40B4-BE49-F238E27FC236}">
-                <a16:creationId xmlns:a16="http://schemas.microsoft.com/office/drawing/2014/main" id="{794E731B-B9B5-9229-004F-7AB692607AD4}"/>
-              </a:ext>
-            </a:extLst>
-          </p:cNvPr>
-          <p:cNvPicPr>
-            <a:picLocks noChangeAspect="1"/>
-          </p:cNvPicPr>
-          <p:nvPr/>
-        </p:nvPicPr>
-        <p:blipFill rotWithShape="1">
-          <a:blip r:embed="rId2"/>
-          <a:srcRect r="8482"/>
-          <a:stretch/>
-        </p:blipFill>
-        <p:spPr>
-          <a:xfrm>
-            <a:off x="286512" y="825090"/>
-            <a:ext cx="6276341" cy="1227383"/>
-          </a:xfrm>
-          <a:prstGeom prst="rect">
-            <a:avLst/>
-          </a:prstGeom>
-        </p:spPr>
-      </p:pic>
       <p:sp>
         <p:nvSpPr>
           <p:cNvPr id="9" name="TextBox 8">
@@ -16970,10 +17010,81 @@
       </p:sp>
       <p:pic>
         <p:nvPicPr>
-          <p:cNvPr id="6" name="Picture 5">
+          <p:cNvPr id="5" name="Picture 4">
             <a:extLst>
               <a:ext uri="{FF2B5EF4-FFF2-40B4-BE49-F238E27FC236}">
-                <a16:creationId xmlns:a16="http://schemas.microsoft.com/office/drawing/2014/main" id="{350DCAD2-5495-2A08-8D38-7C1DFFC54F9E}"/>
+                <a16:creationId xmlns:a16="http://schemas.microsoft.com/office/drawing/2014/main" id="{8847D5A1-949B-EE74-2937-EC1B2B6FAC8C}"/>
+              </a:ext>
+            </a:extLst>
+          </p:cNvPr>
+          <p:cNvPicPr>
+            <a:picLocks noChangeAspect="1"/>
+          </p:cNvPicPr>
+          <p:nvPr/>
+        </p:nvPicPr>
+        <p:blipFill rotWithShape="1">
+          <a:blip r:embed="rId2"/>
+          <a:srcRect r="8607"/>
+          <a:stretch/>
+        </p:blipFill>
+        <p:spPr>
+          <a:xfrm>
+            <a:off x="295147" y="835860"/>
+            <a:ext cx="6267705" cy="3396734"/>
+          </a:xfrm>
+          <a:prstGeom prst="rect">
+            <a:avLst/>
+          </a:prstGeom>
+        </p:spPr>
+      </p:pic>
+      <p:sp>
+        <p:nvSpPr>
+          <p:cNvPr id="7" name="TextBox 6">
+            <a:extLst>
+              <a:ext uri="{FF2B5EF4-FFF2-40B4-BE49-F238E27FC236}">
+                <a16:creationId xmlns:a16="http://schemas.microsoft.com/office/drawing/2014/main" id="{D49CFFB4-5D10-B9D2-F312-76670313C772}"/>
+              </a:ext>
+            </a:extLst>
+          </p:cNvPr>
+          <p:cNvSpPr txBox="1"/>
+          <p:nvPr/>
+        </p:nvSpPr>
+        <p:spPr>
+          <a:xfrm>
+            <a:off x="277876" y="4441297"/>
+            <a:ext cx="6276341" cy="438966"/>
+          </a:xfrm>
+          <a:prstGeom prst="rect">
+            <a:avLst/>
+          </a:prstGeom>
+          <a:noFill/>
+        </p:spPr>
+        <p:txBody>
+          <a:bodyPr wrap="square" rtlCol="0">
+            <a:spAutoFit/>
+          </a:bodyPr>
+          <a:lstStyle/>
+          <a:p>
+            <a:pPr>
+              <a:lnSpc>
+                <a:spcPct val="150000"/>
+              </a:lnSpc>
+            </a:pPr>
+            <a:r>
+              <a:rPr lang="en-US" sz="1700" b="1" dirty="0">
+                <a:latin typeface="Quicksand" pitchFamily="2" charset="0"/>
+              </a:rPr>
+              <a:t>7)  Data Analysis</a:t>
+            </a:r>
+          </a:p>
+        </p:txBody>
+      </p:sp>
+      <p:pic>
+        <p:nvPicPr>
+          <p:cNvPr id="10" name="Picture 9">
+            <a:extLst>
+              <a:ext uri="{FF2B5EF4-FFF2-40B4-BE49-F238E27FC236}">
+                <a16:creationId xmlns:a16="http://schemas.microsoft.com/office/drawing/2014/main" id="{47060D2A-98F6-F02D-3CBC-20361B22DE2F}"/>
               </a:ext>
             </a:extLst>
           </p:cNvPr>
@@ -16989,80 +17100,8 @@
         </p:blipFill>
         <p:spPr>
           <a:xfrm>
-            <a:off x="295148" y="2491439"/>
+            <a:off x="286512" y="4880263"/>
             <a:ext cx="6276340" cy="1830427"/>
-          </a:xfrm>
-          <a:prstGeom prst="rect">
-            <a:avLst/>
-          </a:prstGeom>
-        </p:spPr>
-      </p:pic>
-      <p:sp>
-        <p:nvSpPr>
-          <p:cNvPr id="13" name="TextBox 12">
-            <a:extLst>
-              <a:ext uri="{FF2B5EF4-FFF2-40B4-BE49-F238E27FC236}">
-                <a16:creationId xmlns:a16="http://schemas.microsoft.com/office/drawing/2014/main" id="{D9757785-ED71-29A8-EC56-379A7740E4F3}"/>
-              </a:ext>
-            </a:extLst>
-          </p:cNvPr>
-          <p:cNvSpPr txBox="1"/>
-          <p:nvPr/>
-        </p:nvSpPr>
-        <p:spPr>
-          <a:xfrm>
-            <a:off x="295148" y="4321866"/>
-            <a:ext cx="6276341" cy="438966"/>
-          </a:xfrm>
-          <a:prstGeom prst="rect">
-            <a:avLst/>
-          </a:prstGeom>
-          <a:noFill/>
-        </p:spPr>
-        <p:txBody>
-          <a:bodyPr wrap="square" rtlCol="0">
-            <a:spAutoFit/>
-          </a:bodyPr>
-          <a:lstStyle/>
-          <a:p>
-            <a:pPr>
-              <a:lnSpc>
-                <a:spcPct val="150000"/>
-              </a:lnSpc>
-            </a:pPr>
-            <a:r>
-              <a:rPr lang="en-US" sz="1700" b="1" dirty="0">
-                <a:latin typeface="Quicksand" pitchFamily="2" charset="0"/>
-              </a:rPr>
-              <a:t>8) Bar Graph of Feedbacks</a:t>
-            </a:r>
-          </a:p>
-        </p:txBody>
-      </p:sp>
-      <p:pic>
-        <p:nvPicPr>
-          <p:cNvPr id="8" name="Picture 7">
-            <a:extLst>
-              <a:ext uri="{FF2B5EF4-FFF2-40B4-BE49-F238E27FC236}">
-                <a16:creationId xmlns:a16="http://schemas.microsoft.com/office/drawing/2014/main" id="{C60BBBB5-AB88-F269-A59C-7D841BC14CC3}"/>
-              </a:ext>
-            </a:extLst>
-          </p:cNvPr>
-          <p:cNvPicPr>
-            <a:picLocks noChangeAspect="1"/>
-          </p:cNvPicPr>
-          <p:nvPr/>
-        </p:nvPicPr>
-        <p:blipFill>
-          <a:blip r:embed="rId4"/>
-          <a:stretch>
-            <a:fillRect/>
-          </a:stretch>
-        </p:blipFill>
-        <p:spPr>
-          <a:xfrm>
-            <a:off x="755797" y="4878732"/>
-            <a:ext cx="5096363" cy="4426199"/>
           </a:xfrm>
           <a:prstGeom prst="rect">
             <a:avLst/>
@@ -17164,6 +17203,243 @@
       </p:sp>
       <p:sp>
         <p:nvSpPr>
+          <p:cNvPr id="13" name="TextBox 12">
+            <a:extLst>
+              <a:ext uri="{FF2B5EF4-FFF2-40B4-BE49-F238E27FC236}">
+                <a16:creationId xmlns:a16="http://schemas.microsoft.com/office/drawing/2014/main" id="{D9757785-ED71-29A8-EC56-379A7740E4F3}"/>
+              </a:ext>
+            </a:extLst>
+          </p:cNvPr>
+          <p:cNvSpPr txBox="1"/>
+          <p:nvPr/>
+        </p:nvSpPr>
+        <p:spPr>
+          <a:xfrm>
+            <a:off x="258572" y="676458"/>
+            <a:ext cx="6276341" cy="438966"/>
+          </a:xfrm>
+          <a:prstGeom prst="rect">
+            <a:avLst/>
+          </a:prstGeom>
+          <a:noFill/>
+        </p:spPr>
+        <p:txBody>
+          <a:bodyPr wrap="square" rtlCol="0">
+            <a:spAutoFit/>
+          </a:bodyPr>
+          <a:lstStyle/>
+          <a:p>
+            <a:pPr>
+              <a:lnSpc>
+                <a:spcPct val="150000"/>
+              </a:lnSpc>
+            </a:pPr>
+            <a:r>
+              <a:rPr lang="en-US" sz="1700" b="1" dirty="0">
+                <a:latin typeface="Quicksand" pitchFamily="2" charset="0"/>
+              </a:rPr>
+              <a:t>9) Bar Graph of Feedbacks</a:t>
+            </a:r>
+          </a:p>
+        </p:txBody>
+      </p:sp>
+      <p:pic>
+        <p:nvPicPr>
+          <p:cNvPr id="8" name="Picture 7">
+            <a:extLst>
+              <a:ext uri="{FF2B5EF4-FFF2-40B4-BE49-F238E27FC236}">
+                <a16:creationId xmlns:a16="http://schemas.microsoft.com/office/drawing/2014/main" id="{C60BBBB5-AB88-F269-A59C-7D841BC14CC3}"/>
+              </a:ext>
+            </a:extLst>
+          </p:cNvPr>
+          <p:cNvPicPr>
+            <a:picLocks noChangeAspect="1"/>
+          </p:cNvPicPr>
+          <p:nvPr/>
+        </p:nvPicPr>
+        <p:blipFill>
+          <a:blip r:embed="rId2"/>
+          <a:stretch>
+            <a:fillRect/>
+          </a:stretch>
+        </p:blipFill>
+        <p:spPr>
+          <a:xfrm>
+            <a:off x="719221" y="1233324"/>
+            <a:ext cx="5096363" cy="4426199"/>
+          </a:xfrm>
+          <a:prstGeom prst="rect">
+            <a:avLst/>
+          </a:prstGeom>
+        </p:spPr>
+      </p:pic>
+      <p:sp>
+        <p:nvSpPr>
+          <p:cNvPr id="2" name="TextBox 1">
+            <a:extLst>
+              <a:ext uri="{FF2B5EF4-FFF2-40B4-BE49-F238E27FC236}">
+                <a16:creationId xmlns:a16="http://schemas.microsoft.com/office/drawing/2014/main" id="{D125577F-7B6C-B6D2-8CD4-D41B200D87BC}"/>
+              </a:ext>
+            </a:extLst>
+          </p:cNvPr>
+          <p:cNvSpPr txBox="1"/>
+          <p:nvPr/>
+        </p:nvSpPr>
+        <p:spPr>
+          <a:xfrm>
+            <a:off x="258572" y="5777423"/>
+            <a:ext cx="6276341" cy="438966"/>
+          </a:xfrm>
+          <a:prstGeom prst="rect">
+            <a:avLst/>
+          </a:prstGeom>
+          <a:noFill/>
+        </p:spPr>
+        <p:txBody>
+          <a:bodyPr wrap="square" rtlCol="0">
+            <a:spAutoFit/>
+          </a:bodyPr>
+          <a:lstStyle/>
+          <a:p>
+            <a:pPr>
+              <a:lnSpc>
+                <a:spcPct val="150000"/>
+              </a:lnSpc>
+            </a:pPr>
+            <a:r>
+              <a:rPr lang="en-US" sz="1700" b="1" dirty="0">
+                <a:latin typeface="Quicksand" pitchFamily="2" charset="0"/>
+              </a:rPr>
+              <a:t>10)  Visitor History</a:t>
+            </a:r>
+          </a:p>
+        </p:txBody>
+      </p:sp>
+      <p:pic>
+        <p:nvPicPr>
+          <p:cNvPr id="3" name="Picture 2">
+            <a:extLst>
+              <a:ext uri="{FF2B5EF4-FFF2-40B4-BE49-F238E27FC236}">
+                <a16:creationId xmlns:a16="http://schemas.microsoft.com/office/drawing/2014/main" id="{CF30E343-33AE-DC66-23B4-2F345A0E2D8B}"/>
+              </a:ext>
+            </a:extLst>
+          </p:cNvPr>
+          <p:cNvPicPr>
+            <a:picLocks noChangeAspect="1"/>
+          </p:cNvPicPr>
+          <p:nvPr/>
+        </p:nvPicPr>
+        <p:blipFill>
+          <a:blip r:embed="rId3"/>
+          <a:stretch>
+            <a:fillRect/>
+          </a:stretch>
+        </p:blipFill>
+        <p:spPr>
+          <a:xfrm>
+            <a:off x="258572" y="6334289"/>
+            <a:ext cx="6341515" cy="1580972"/>
+          </a:xfrm>
+          <a:prstGeom prst="rect">
+            <a:avLst/>
+          </a:prstGeom>
+        </p:spPr>
+      </p:pic>
+    </p:spTree>
+    <p:extLst>
+      <p:ext uri="{BB962C8B-B14F-4D97-AF65-F5344CB8AC3E}">
+        <p14:creationId xmlns:p14="http://schemas.microsoft.com/office/powerpoint/2010/main" val="1855394032"/>
+      </p:ext>
+    </p:extLst>
+  </p:cSld>
+  <p:clrMapOvr>
+    <a:masterClrMapping/>
+  </p:clrMapOvr>
+</p:sld>
+</file>
+
+<file path=ppt/slides/slide27.xml><?xml version="1.0" encoding="utf-8"?>
+<p:sld xmlns:a="http://schemas.openxmlformats.org/drawingml/2006/main" xmlns:r="http://schemas.openxmlformats.org/officeDocument/2006/relationships" xmlns:p="http://schemas.openxmlformats.org/presentationml/2006/main">
+  <p:cSld>
+    <p:spTree>
+      <p:nvGrpSpPr>
+        <p:cNvPr id="1" name=""/>
+        <p:cNvGrpSpPr/>
+        <p:nvPr/>
+      </p:nvGrpSpPr>
+      <p:grpSpPr>
+        <a:xfrm>
+          <a:off x="0" y="0"/>
+          <a:ext cx="0" cy="0"/>
+          <a:chOff x="0" y="0"/>
+          <a:chExt cx="0" cy="0"/>
+        </a:xfrm>
+      </p:grpSpPr>
+      <p:sp>
+        <p:nvSpPr>
+          <p:cNvPr id="4" name="Rectangle 3">
+            <a:extLst>
+              <a:ext uri="{FF2B5EF4-FFF2-40B4-BE49-F238E27FC236}">
+                <a16:creationId xmlns:a16="http://schemas.microsoft.com/office/drawing/2014/main" id="{7C1C2D47-DE9F-FFE5-EF5E-6425AA3861B6}"/>
+              </a:ext>
+            </a:extLst>
+          </p:cNvPr>
+          <p:cNvSpPr/>
+          <p:nvPr/>
+        </p:nvSpPr>
+        <p:spPr>
+          <a:xfrm>
+            <a:off x="134111" y="268224"/>
+            <a:ext cx="6559297" cy="9448800"/>
+          </a:xfrm>
+          <a:prstGeom prst="rect">
+            <a:avLst/>
+          </a:prstGeom>
+          <a:noFill/>
+          <a:ln w="76200" cmpd="sng">
+            <a:solidFill>
+              <a:schemeClr val="accent1">
+                <a:shade val="50000"/>
+              </a:schemeClr>
+            </a:solidFill>
+            <a:prstDash val="solid"/>
+          </a:ln>
+        </p:spPr>
+        <p:style>
+          <a:lnRef idx="2">
+            <a:schemeClr val="accent1">
+              <a:shade val="50000"/>
+            </a:schemeClr>
+          </a:lnRef>
+          <a:fillRef idx="1">
+            <a:schemeClr val="accent1"/>
+          </a:fillRef>
+          <a:effectRef idx="0">
+            <a:schemeClr val="accent1"/>
+          </a:effectRef>
+          <a:fontRef idx="minor">
+            <a:schemeClr val="lt1"/>
+          </a:fontRef>
+        </p:style>
+        <p:txBody>
+          <a:bodyPr rtlCol="0" anchor="ctr"/>
+          <a:lstStyle/>
+          <a:p>
+            <a:pPr algn="ctr"/>
+            <a:r>
+              <a:rPr lang="en-US" dirty="0">
+                <a:latin typeface="Quicksand" pitchFamily="2" charset="0"/>
+              </a:rPr>
+              <a:t>  </a:t>
+            </a:r>
+            <a:endParaRPr lang="en-AE" dirty="0">
+              <a:latin typeface="Quicksand" pitchFamily="2" charset="0"/>
+            </a:endParaRPr>
+          </a:p>
+        </p:txBody>
+      </p:sp>
+      <p:sp>
+        <p:nvSpPr>
           <p:cNvPr id="17" name="TextBox 16">
             <a:extLst>
               <a:ext uri="{FF2B5EF4-FFF2-40B4-BE49-F238E27FC236}">
@@ -17199,7 +17475,7 @@
               <a:rPr lang="en-US" sz="1700" b="1" dirty="0">
                 <a:latin typeface="Quicksand" pitchFamily="2" charset="0"/>
               </a:rPr>
-              <a:t>9)  Bar Graph of Visits</a:t>
+              <a:t>11)  Bar Graph of Visits</a:t>
             </a:r>
           </a:p>
         </p:txBody>
@@ -17234,78 +17510,6 @@
           </a:prstGeom>
         </p:spPr>
       </p:pic>
-      <p:sp>
-        <p:nvSpPr>
-          <p:cNvPr id="11" name="TextBox 10">
-            <a:extLst>
-              <a:ext uri="{FF2B5EF4-FFF2-40B4-BE49-F238E27FC236}">
-                <a16:creationId xmlns:a16="http://schemas.microsoft.com/office/drawing/2014/main" id="{A7D605D8-6FB8-B7CB-FD74-9E984DCC3D34}"/>
-              </a:ext>
-            </a:extLst>
-          </p:cNvPr>
-          <p:cNvSpPr txBox="1"/>
-          <p:nvPr/>
-        </p:nvSpPr>
-        <p:spPr>
-          <a:xfrm>
-            <a:off x="225655" y="6150308"/>
-            <a:ext cx="6276341" cy="438966"/>
-          </a:xfrm>
-          <a:prstGeom prst="rect">
-            <a:avLst/>
-          </a:prstGeom>
-          <a:noFill/>
-        </p:spPr>
-        <p:txBody>
-          <a:bodyPr wrap="square" rtlCol="0">
-            <a:spAutoFit/>
-          </a:bodyPr>
-          <a:lstStyle/>
-          <a:p>
-            <a:pPr>
-              <a:lnSpc>
-                <a:spcPct val="150000"/>
-              </a:lnSpc>
-            </a:pPr>
-            <a:r>
-              <a:rPr lang="en-US" sz="1700" b="1" dirty="0">
-                <a:latin typeface="Quicksand" pitchFamily="2" charset="0"/>
-              </a:rPr>
-              <a:t>10)  Visitor History</a:t>
-            </a:r>
-          </a:p>
-        </p:txBody>
-      </p:sp>
-      <p:pic>
-        <p:nvPicPr>
-          <p:cNvPr id="20" name="Picture 19">
-            <a:extLst>
-              <a:ext uri="{FF2B5EF4-FFF2-40B4-BE49-F238E27FC236}">
-                <a16:creationId xmlns:a16="http://schemas.microsoft.com/office/drawing/2014/main" id="{03AC706F-67C7-945B-2054-497C5A975521}"/>
-              </a:ext>
-            </a:extLst>
-          </p:cNvPr>
-          <p:cNvPicPr>
-            <a:picLocks noChangeAspect="1"/>
-          </p:cNvPicPr>
-          <p:nvPr/>
-        </p:nvPicPr>
-        <p:blipFill>
-          <a:blip r:embed="rId3"/>
-          <a:stretch>
-            <a:fillRect/>
-          </a:stretch>
-        </p:blipFill>
-        <p:spPr>
-          <a:xfrm>
-            <a:off x="225655" y="6707174"/>
-            <a:ext cx="6341515" cy="1580972"/>
-          </a:xfrm>
-          <a:prstGeom prst="rect">
-            <a:avLst/>
-          </a:prstGeom>
-        </p:spPr>
-      </p:pic>
     </p:spTree>
     <p:extLst>
       <p:ext uri="{BB962C8B-B14F-4D97-AF65-F5344CB8AC3E}">
@@ -17319,7 +17523,7 @@
 </p:sld>
 </file>
 
-<file path=ppt/slides/slide27.xml><?xml version="1.0" encoding="utf-8"?>
+<file path=ppt/slides/slide28.xml><?xml version="1.0" encoding="utf-8"?>
 <p:sld xmlns:a="http://schemas.openxmlformats.org/drawingml/2006/main" xmlns:r="http://schemas.openxmlformats.org/officeDocument/2006/relationships" xmlns:p="http://schemas.openxmlformats.org/presentationml/2006/main">
   <p:cSld>
     <p:spTree>
@@ -17627,386 +17831,6 @@
 </p:sld>
 </file>
 
-<file path=ppt/slides/slide28.xml><?xml version="1.0" encoding="utf-8"?>
-<p:sld xmlns:a="http://schemas.openxmlformats.org/drawingml/2006/main" xmlns:r="http://schemas.openxmlformats.org/officeDocument/2006/relationships" xmlns:p="http://schemas.openxmlformats.org/presentationml/2006/main">
-  <p:cSld>
-    <p:spTree>
-      <p:nvGrpSpPr>
-        <p:cNvPr id="1" name=""/>
-        <p:cNvGrpSpPr/>
-        <p:nvPr/>
-      </p:nvGrpSpPr>
-      <p:grpSpPr>
-        <a:xfrm>
-          <a:off x="0" y="0"/>
-          <a:ext cx="0" cy="0"/>
-          <a:chOff x="0" y="0"/>
-          <a:chExt cx="0" cy="0"/>
-        </a:xfrm>
-      </p:grpSpPr>
-      <p:sp>
-        <p:nvSpPr>
-          <p:cNvPr id="4" name="Rectangle 3">
-            <a:extLst>
-              <a:ext uri="{FF2B5EF4-FFF2-40B4-BE49-F238E27FC236}">
-                <a16:creationId xmlns:a16="http://schemas.microsoft.com/office/drawing/2014/main" id="{7C1C2D47-DE9F-FFE5-EF5E-6425AA3861B6}"/>
-              </a:ext>
-            </a:extLst>
-          </p:cNvPr>
-          <p:cNvSpPr/>
-          <p:nvPr/>
-        </p:nvSpPr>
-        <p:spPr>
-          <a:xfrm>
-            <a:off x="134111" y="268224"/>
-            <a:ext cx="6559297" cy="9448800"/>
-          </a:xfrm>
-          <a:prstGeom prst="rect">
-            <a:avLst/>
-          </a:prstGeom>
-          <a:noFill/>
-          <a:ln w="76200" cmpd="sng">
-            <a:solidFill>
-              <a:schemeClr val="accent1">
-                <a:shade val="50000"/>
-              </a:schemeClr>
-            </a:solidFill>
-            <a:prstDash val="solid"/>
-          </a:ln>
-        </p:spPr>
-        <p:style>
-          <a:lnRef idx="2">
-            <a:schemeClr val="accent1">
-              <a:shade val="50000"/>
-            </a:schemeClr>
-          </a:lnRef>
-          <a:fillRef idx="1">
-            <a:schemeClr val="accent1"/>
-          </a:fillRef>
-          <a:effectRef idx="0">
-            <a:schemeClr val="accent1"/>
-          </a:effectRef>
-          <a:fontRef idx="minor">
-            <a:schemeClr val="lt1"/>
-          </a:fontRef>
-        </p:style>
-        <p:txBody>
-          <a:bodyPr rtlCol="0" anchor="ctr"/>
-          <a:lstStyle/>
-          <a:p>
-            <a:pPr algn="ctr"/>
-            <a:r>
-              <a:rPr lang="en-US" dirty="0">
-                <a:latin typeface="Quicksand" pitchFamily="2" charset="0"/>
-              </a:rPr>
-              <a:t>  </a:t>
-            </a:r>
-            <a:endParaRPr lang="en-AE" dirty="0">
-              <a:latin typeface="Quicksand" pitchFamily="2" charset="0"/>
-            </a:endParaRPr>
-          </a:p>
-        </p:txBody>
-      </p:sp>
-      <p:sp>
-        <p:nvSpPr>
-          <p:cNvPr id="17" name="TextBox 16">
-            <a:extLst>
-              <a:ext uri="{FF2B5EF4-FFF2-40B4-BE49-F238E27FC236}">
-                <a16:creationId xmlns:a16="http://schemas.microsoft.com/office/drawing/2014/main" id="{AD8B61DF-D5A6-E767-E9AC-7079EC05DB0F}"/>
-              </a:ext>
-            </a:extLst>
-          </p:cNvPr>
-          <p:cNvSpPr txBox="1"/>
-          <p:nvPr/>
-        </p:nvSpPr>
-        <p:spPr>
-          <a:xfrm>
-            <a:off x="286512" y="386124"/>
-            <a:ext cx="6276341" cy="438966"/>
-          </a:xfrm>
-          <a:prstGeom prst="rect">
-            <a:avLst/>
-          </a:prstGeom>
-          <a:noFill/>
-        </p:spPr>
-        <p:txBody>
-          <a:bodyPr wrap="square" rtlCol="0">
-            <a:spAutoFit/>
-          </a:bodyPr>
-          <a:lstStyle/>
-          <a:p>
-            <a:pPr>
-              <a:lnSpc>
-                <a:spcPct val="150000"/>
-              </a:lnSpc>
-            </a:pPr>
-            <a:r>
-              <a:rPr lang="en-US" sz="1700" b="1" dirty="0">
-                <a:latin typeface="Quicksand" pitchFamily="2" charset="0"/>
-              </a:rPr>
-              <a:t>14)  Viewing Guests</a:t>
-            </a:r>
-          </a:p>
-        </p:txBody>
-      </p:sp>
-      <p:pic>
-        <p:nvPicPr>
-          <p:cNvPr id="7" name="Picture 6">
-            <a:extLst>
-              <a:ext uri="{FF2B5EF4-FFF2-40B4-BE49-F238E27FC236}">
-                <a16:creationId xmlns:a16="http://schemas.microsoft.com/office/drawing/2014/main" id="{4EA895F3-78C2-2567-BD71-9AFD1D803518}"/>
-              </a:ext>
-            </a:extLst>
-          </p:cNvPr>
-          <p:cNvPicPr>
-            <a:picLocks noChangeAspect="1"/>
-          </p:cNvPicPr>
-          <p:nvPr/>
-        </p:nvPicPr>
-        <p:blipFill rotWithShape="1">
-          <a:blip r:embed="rId2"/>
-          <a:srcRect r="7471" b="9952"/>
-          <a:stretch/>
-        </p:blipFill>
-        <p:spPr>
-          <a:xfrm>
-            <a:off x="286512" y="825091"/>
-            <a:ext cx="6284976" cy="1262790"/>
-          </a:xfrm>
-          <a:prstGeom prst="rect">
-            <a:avLst/>
-          </a:prstGeom>
-        </p:spPr>
-      </p:pic>
-      <p:sp>
-        <p:nvSpPr>
-          <p:cNvPr id="13" name="TextBox 12">
-            <a:extLst>
-              <a:ext uri="{FF2B5EF4-FFF2-40B4-BE49-F238E27FC236}">
-                <a16:creationId xmlns:a16="http://schemas.microsoft.com/office/drawing/2014/main" id="{B5D32864-8E55-46EA-1344-54A5C1753258}"/>
-              </a:ext>
-            </a:extLst>
-          </p:cNvPr>
-          <p:cNvSpPr txBox="1"/>
-          <p:nvPr/>
-        </p:nvSpPr>
-        <p:spPr>
-          <a:xfrm>
-            <a:off x="286512" y="2087881"/>
-            <a:ext cx="6276341" cy="438966"/>
-          </a:xfrm>
-          <a:prstGeom prst="rect">
-            <a:avLst/>
-          </a:prstGeom>
-          <a:noFill/>
-        </p:spPr>
-        <p:txBody>
-          <a:bodyPr wrap="square" rtlCol="0">
-            <a:spAutoFit/>
-          </a:bodyPr>
-          <a:lstStyle/>
-          <a:p>
-            <a:pPr>
-              <a:lnSpc>
-                <a:spcPct val="150000"/>
-              </a:lnSpc>
-            </a:pPr>
-            <a:r>
-              <a:rPr lang="en-US" sz="1700" b="1" dirty="0">
-                <a:latin typeface="Quicksand" pitchFamily="2" charset="0"/>
-              </a:rPr>
-              <a:t>15)  Reservation Management</a:t>
-            </a:r>
-          </a:p>
-        </p:txBody>
-      </p:sp>
-      <p:pic>
-        <p:nvPicPr>
-          <p:cNvPr id="12" name="Picture 11">
-            <a:extLst>
-              <a:ext uri="{FF2B5EF4-FFF2-40B4-BE49-F238E27FC236}">
-                <a16:creationId xmlns:a16="http://schemas.microsoft.com/office/drawing/2014/main" id="{537EC771-B6E0-F8F9-FA88-617F23765520}"/>
-              </a:ext>
-            </a:extLst>
-          </p:cNvPr>
-          <p:cNvPicPr>
-            <a:picLocks noChangeAspect="1"/>
-          </p:cNvPicPr>
-          <p:nvPr/>
-        </p:nvPicPr>
-        <p:blipFill>
-          <a:blip r:embed="rId3"/>
-          <a:stretch>
-            <a:fillRect/>
-          </a:stretch>
-        </p:blipFill>
-        <p:spPr>
-          <a:xfrm>
-            <a:off x="286513" y="2536170"/>
-            <a:ext cx="3630168" cy="1317959"/>
-          </a:xfrm>
-          <a:prstGeom prst="rect">
-            <a:avLst/>
-          </a:prstGeom>
-        </p:spPr>
-      </p:pic>
-      <p:sp>
-        <p:nvSpPr>
-          <p:cNvPr id="18" name="TextBox 17">
-            <a:extLst>
-              <a:ext uri="{FF2B5EF4-FFF2-40B4-BE49-F238E27FC236}">
-                <a16:creationId xmlns:a16="http://schemas.microsoft.com/office/drawing/2014/main" id="{F5553B33-7B7B-8CC0-9B16-183A55265502}"/>
-              </a:ext>
-            </a:extLst>
-          </p:cNvPr>
-          <p:cNvSpPr txBox="1"/>
-          <p:nvPr/>
-        </p:nvSpPr>
-        <p:spPr>
-          <a:xfrm>
-            <a:off x="286511" y="3863452"/>
-            <a:ext cx="6276341" cy="438966"/>
-          </a:xfrm>
-          <a:prstGeom prst="rect">
-            <a:avLst/>
-          </a:prstGeom>
-          <a:noFill/>
-        </p:spPr>
-        <p:txBody>
-          <a:bodyPr wrap="square" rtlCol="0">
-            <a:spAutoFit/>
-          </a:bodyPr>
-          <a:lstStyle/>
-          <a:p>
-            <a:pPr>
-              <a:lnSpc>
-                <a:spcPct val="150000"/>
-              </a:lnSpc>
-            </a:pPr>
-            <a:r>
-              <a:rPr lang="en-US" sz="1700" b="1" dirty="0">
-                <a:latin typeface="Quicksand" pitchFamily="2" charset="0"/>
-              </a:rPr>
-              <a:t>16)  Viewing all Reservations</a:t>
-            </a:r>
-          </a:p>
-        </p:txBody>
-      </p:sp>
-      <p:pic>
-        <p:nvPicPr>
-          <p:cNvPr id="16" name="Picture 15">
-            <a:extLst>
-              <a:ext uri="{FF2B5EF4-FFF2-40B4-BE49-F238E27FC236}">
-                <a16:creationId xmlns:a16="http://schemas.microsoft.com/office/drawing/2014/main" id="{D971E490-6B92-9545-4DD9-A88B51FDA3AD}"/>
-              </a:ext>
-            </a:extLst>
-          </p:cNvPr>
-          <p:cNvPicPr>
-            <a:picLocks noChangeAspect="1"/>
-          </p:cNvPicPr>
-          <p:nvPr/>
-        </p:nvPicPr>
-        <p:blipFill>
-          <a:blip r:embed="rId4"/>
-          <a:stretch>
-            <a:fillRect/>
-          </a:stretch>
-        </p:blipFill>
-        <p:spPr>
-          <a:xfrm>
-            <a:off x="286511" y="4326966"/>
-            <a:ext cx="6284976" cy="1050324"/>
-          </a:xfrm>
-          <a:prstGeom prst="rect">
-            <a:avLst/>
-          </a:prstGeom>
-        </p:spPr>
-      </p:pic>
-      <p:sp>
-        <p:nvSpPr>
-          <p:cNvPr id="21" name="TextBox 20">
-            <a:extLst>
-              <a:ext uri="{FF2B5EF4-FFF2-40B4-BE49-F238E27FC236}">
-                <a16:creationId xmlns:a16="http://schemas.microsoft.com/office/drawing/2014/main" id="{B4477DA9-946C-BB73-5FEE-BCA2717FC86F}"/>
-              </a:ext>
-            </a:extLst>
-          </p:cNvPr>
-          <p:cNvSpPr txBox="1"/>
-          <p:nvPr/>
-        </p:nvSpPr>
-        <p:spPr>
-          <a:xfrm>
-            <a:off x="286510" y="5381770"/>
-            <a:ext cx="6276341" cy="438966"/>
-          </a:xfrm>
-          <a:prstGeom prst="rect">
-            <a:avLst/>
-          </a:prstGeom>
-          <a:noFill/>
-        </p:spPr>
-        <p:txBody>
-          <a:bodyPr wrap="square" rtlCol="0">
-            <a:spAutoFit/>
-          </a:bodyPr>
-          <a:lstStyle/>
-          <a:p>
-            <a:pPr>
-              <a:lnSpc>
-                <a:spcPct val="150000"/>
-              </a:lnSpc>
-            </a:pPr>
-            <a:r>
-              <a:rPr lang="en-US" sz="1700" b="1" dirty="0">
-                <a:latin typeface="Quicksand" pitchFamily="2" charset="0"/>
-              </a:rPr>
-              <a:t>17)  Deleting a Reservation</a:t>
-            </a:r>
-          </a:p>
-        </p:txBody>
-      </p:sp>
-      <p:pic>
-        <p:nvPicPr>
-          <p:cNvPr id="23" name="Picture 22">
-            <a:extLst>
-              <a:ext uri="{FF2B5EF4-FFF2-40B4-BE49-F238E27FC236}">
-                <a16:creationId xmlns:a16="http://schemas.microsoft.com/office/drawing/2014/main" id="{E4E91358-6E0C-4D60-EDE0-3F3763360D37}"/>
-              </a:ext>
-            </a:extLst>
-          </p:cNvPr>
-          <p:cNvPicPr>
-            <a:picLocks noChangeAspect="1"/>
-          </p:cNvPicPr>
-          <p:nvPr/>
-        </p:nvPicPr>
-        <p:blipFill>
-          <a:blip r:embed="rId5"/>
-          <a:stretch>
-            <a:fillRect/>
-          </a:stretch>
-        </p:blipFill>
-        <p:spPr>
-          <a:xfrm>
-            <a:off x="286510" y="5830059"/>
-            <a:ext cx="4058216" cy="1076475"/>
-          </a:xfrm>
-          <a:prstGeom prst="rect">
-            <a:avLst/>
-          </a:prstGeom>
-        </p:spPr>
-      </p:pic>
-    </p:spTree>
-    <p:extLst>
-      <p:ext uri="{BB962C8B-B14F-4D97-AF65-F5344CB8AC3E}">
-        <p14:creationId xmlns:p14="http://schemas.microsoft.com/office/powerpoint/2010/main" val="3302558119"/>
-      </p:ext>
-    </p:extLst>
-  </p:cSld>
-  <p:clrMapOvr>
-    <a:masterClrMapping/>
-  </p:clrMapOvr>
-</p:sld>
-</file>
-
 <file path=ppt/slides/slide29.xml><?xml version="1.0" encoding="utf-8"?>
 <p:sld xmlns:a="http://schemas.openxmlformats.org/drawingml/2006/main" xmlns:r="http://schemas.openxmlformats.org/officeDocument/2006/relationships" xmlns:p="http://schemas.openxmlformats.org/presentationml/2006/main">
   <p:cSld>
@@ -18089,10 +17913,10 @@
       </p:sp>
       <p:sp>
         <p:nvSpPr>
-          <p:cNvPr id="9" name="TextBox 8">
+          <p:cNvPr id="17" name="TextBox 16">
             <a:extLst>
               <a:ext uri="{FF2B5EF4-FFF2-40B4-BE49-F238E27FC236}">
-                <a16:creationId xmlns:a16="http://schemas.microsoft.com/office/drawing/2014/main" id="{C6640E0D-77A1-9A0E-50E3-36EE1288FDB2}"/>
+                <a16:creationId xmlns:a16="http://schemas.microsoft.com/office/drawing/2014/main" id="{AD8B61DF-D5A6-E767-E9AC-7079EC05DB0F}"/>
               </a:ext>
             </a:extLst>
           </p:cNvPr>
@@ -18101,8 +17925,8 @@
         </p:nvSpPr>
         <p:spPr>
           <a:xfrm>
-            <a:off x="240537" y="387185"/>
-            <a:ext cx="6346444" cy="1446550"/>
+            <a:off x="286512" y="386124"/>
+            <a:ext cx="6276341" cy="438966"/>
           </a:xfrm>
           <a:prstGeom prst="rect">
             <a:avLst/>
@@ -18115,25 +17939,55 @@
           </a:bodyPr>
           <a:lstStyle/>
           <a:p>
-            <a:pPr algn="ctr"/>
-            <a:r>
-              <a:rPr lang="en-US" sz="4400" b="1" dirty="0">
+            <a:pPr>
+              <a:lnSpc>
+                <a:spcPct val="150000"/>
+              </a:lnSpc>
+            </a:pPr>
+            <a:r>
+              <a:rPr lang="en-US" sz="1700" b="1" dirty="0">
                 <a:latin typeface="Quicksand" pitchFamily="2" charset="0"/>
               </a:rPr>
-              <a:t>Conclusion and Futurescope</a:t>
-            </a:r>
-            <a:endParaRPr lang="en-AE" sz="4400" b="1" dirty="0">
-              <a:latin typeface="Quicksand" pitchFamily="2" charset="0"/>
-            </a:endParaRPr>
+              <a:t>14)  Viewing Guests</a:t>
+            </a:r>
           </a:p>
         </p:txBody>
       </p:sp>
+      <p:pic>
+        <p:nvPicPr>
+          <p:cNvPr id="7" name="Picture 6">
+            <a:extLst>
+              <a:ext uri="{FF2B5EF4-FFF2-40B4-BE49-F238E27FC236}">
+                <a16:creationId xmlns:a16="http://schemas.microsoft.com/office/drawing/2014/main" id="{4EA895F3-78C2-2567-BD71-9AFD1D803518}"/>
+              </a:ext>
+            </a:extLst>
+          </p:cNvPr>
+          <p:cNvPicPr>
+            <a:picLocks noChangeAspect="1"/>
+          </p:cNvPicPr>
+          <p:nvPr/>
+        </p:nvPicPr>
+        <p:blipFill rotWithShape="1">
+          <a:blip r:embed="rId2"/>
+          <a:srcRect r="7471" b="9952"/>
+          <a:stretch/>
+        </p:blipFill>
+        <p:spPr>
+          <a:xfrm>
+            <a:off x="286512" y="825091"/>
+            <a:ext cx="6284976" cy="1262790"/>
+          </a:xfrm>
+          <a:prstGeom prst="rect">
+            <a:avLst/>
+          </a:prstGeom>
+        </p:spPr>
+      </p:pic>
       <p:sp>
         <p:nvSpPr>
-          <p:cNvPr id="10" name="TextBox 9">
+          <p:cNvPr id="13" name="TextBox 12">
             <a:extLst>
               <a:ext uri="{FF2B5EF4-FFF2-40B4-BE49-F238E27FC236}">
-                <a16:creationId xmlns:a16="http://schemas.microsoft.com/office/drawing/2014/main" id="{80F1D8D5-2431-15DF-14F4-496C51ED2F0A}"/>
+                <a16:creationId xmlns:a16="http://schemas.microsoft.com/office/drawing/2014/main" id="{B5D32864-8E55-46EA-1344-54A5C1753258}"/>
               </a:ext>
             </a:extLst>
           </p:cNvPr>
@@ -18142,8 +17996,8 @@
         </p:nvSpPr>
         <p:spPr>
           <a:xfrm>
-            <a:off x="331722" y="2045028"/>
-            <a:ext cx="6276341" cy="5209118"/>
+            <a:off x="286512" y="2087881"/>
+            <a:ext cx="6276341" cy="438966"/>
           </a:xfrm>
           <a:prstGeom prst="rect">
             <a:avLst/>
@@ -18162,12 +18016,71 @@
               </a:lnSpc>
             </a:pPr>
             <a:r>
-              <a:rPr lang="en-US" sz="1700" dirty="0">
+              <a:rPr lang="en-US" sz="1700" b="1" dirty="0">
                 <a:latin typeface="Quicksand" pitchFamily="2" charset="0"/>
               </a:rPr>
-              <a:t>After successfully completing my project on The Paradise</a:t>
-            </a:r>
-          </a:p>
+              <a:t>15)  Reservation Management</a:t>
+            </a:r>
+          </a:p>
+        </p:txBody>
+      </p:sp>
+      <p:pic>
+        <p:nvPicPr>
+          <p:cNvPr id="12" name="Picture 11">
+            <a:extLst>
+              <a:ext uri="{FF2B5EF4-FFF2-40B4-BE49-F238E27FC236}">
+                <a16:creationId xmlns:a16="http://schemas.microsoft.com/office/drawing/2014/main" id="{537EC771-B6E0-F8F9-FA88-617F23765520}"/>
+              </a:ext>
+            </a:extLst>
+          </p:cNvPr>
+          <p:cNvPicPr>
+            <a:picLocks noChangeAspect="1"/>
+          </p:cNvPicPr>
+          <p:nvPr/>
+        </p:nvPicPr>
+        <p:blipFill>
+          <a:blip r:embed="rId3"/>
+          <a:stretch>
+            <a:fillRect/>
+          </a:stretch>
+        </p:blipFill>
+        <p:spPr>
+          <a:xfrm>
+            <a:off x="286513" y="2536170"/>
+            <a:ext cx="3630168" cy="1317959"/>
+          </a:xfrm>
+          <a:prstGeom prst="rect">
+            <a:avLst/>
+          </a:prstGeom>
+        </p:spPr>
+      </p:pic>
+      <p:sp>
+        <p:nvSpPr>
+          <p:cNvPr id="18" name="TextBox 17">
+            <a:extLst>
+              <a:ext uri="{FF2B5EF4-FFF2-40B4-BE49-F238E27FC236}">
+                <a16:creationId xmlns:a16="http://schemas.microsoft.com/office/drawing/2014/main" id="{F5553B33-7B7B-8CC0-9B16-183A55265502}"/>
+              </a:ext>
+            </a:extLst>
+          </p:cNvPr>
+          <p:cNvSpPr txBox="1"/>
+          <p:nvPr/>
+        </p:nvSpPr>
+        <p:spPr>
+          <a:xfrm>
+            <a:off x="286511" y="3863452"/>
+            <a:ext cx="6276341" cy="438966"/>
+          </a:xfrm>
+          <a:prstGeom prst="rect">
+            <a:avLst/>
+          </a:prstGeom>
+          <a:noFill/>
+        </p:spPr>
+        <p:txBody>
+          <a:bodyPr wrap="square" rtlCol="0">
+            <a:spAutoFit/>
+          </a:bodyPr>
+          <a:lstStyle/>
           <a:p>
             <a:pPr>
               <a:lnSpc>
@@ -18175,12 +18088,71 @@
               </a:lnSpc>
             </a:pPr>
             <a:r>
-              <a:rPr lang="en-US" sz="1700" dirty="0">
+              <a:rPr lang="en-US" sz="1700" b="1" dirty="0">
                 <a:latin typeface="Quicksand" pitchFamily="2" charset="0"/>
               </a:rPr>
-              <a:t>Hotel, I have verified that I have met all the objectives for the</a:t>
-            </a:r>
-          </a:p>
+              <a:t>16)  Viewing all Reservations</a:t>
+            </a:r>
+          </a:p>
+        </p:txBody>
+      </p:sp>
+      <p:pic>
+        <p:nvPicPr>
+          <p:cNvPr id="16" name="Picture 15">
+            <a:extLst>
+              <a:ext uri="{FF2B5EF4-FFF2-40B4-BE49-F238E27FC236}">
+                <a16:creationId xmlns:a16="http://schemas.microsoft.com/office/drawing/2014/main" id="{D971E490-6B92-9545-4DD9-A88B51FDA3AD}"/>
+              </a:ext>
+            </a:extLst>
+          </p:cNvPr>
+          <p:cNvPicPr>
+            <a:picLocks noChangeAspect="1"/>
+          </p:cNvPicPr>
+          <p:nvPr/>
+        </p:nvPicPr>
+        <p:blipFill>
+          <a:blip r:embed="rId4"/>
+          <a:stretch>
+            <a:fillRect/>
+          </a:stretch>
+        </p:blipFill>
+        <p:spPr>
+          <a:xfrm>
+            <a:off x="286511" y="4326966"/>
+            <a:ext cx="6284976" cy="1050324"/>
+          </a:xfrm>
+          <a:prstGeom prst="rect">
+            <a:avLst/>
+          </a:prstGeom>
+        </p:spPr>
+      </p:pic>
+      <p:sp>
+        <p:nvSpPr>
+          <p:cNvPr id="21" name="TextBox 20">
+            <a:extLst>
+              <a:ext uri="{FF2B5EF4-FFF2-40B4-BE49-F238E27FC236}">
+                <a16:creationId xmlns:a16="http://schemas.microsoft.com/office/drawing/2014/main" id="{B4477DA9-946C-BB73-5FEE-BCA2717FC86F}"/>
+              </a:ext>
+            </a:extLst>
+          </p:cNvPr>
+          <p:cNvSpPr txBox="1"/>
+          <p:nvPr/>
+        </p:nvSpPr>
+        <p:spPr>
+          <a:xfrm>
+            <a:off x="286510" y="5381770"/>
+            <a:ext cx="6276341" cy="438966"/>
+          </a:xfrm>
+          <a:prstGeom prst="rect">
+            <a:avLst/>
+          </a:prstGeom>
+          <a:noFill/>
+        </p:spPr>
+        <p:txBody>
+          <a:bodyPr wrap="square" rtlCol="0">
+            <a:spAutoFit/>
+          </a:bodyPr>
+          <a:lstStyle/>
           <a:p>
             <a:pPr>
               <a:lnSpc>
@@ -18188,57 +18160,48 @@
               </a:lnSpc>
             </a:pPr>
             <a:r>
-              <a:rPr lang="en-US" sz="1700" dirty="0">
+              <a:rPr lang="en-US" sz="1700" b="1" dirty="0">
                 <a:latin typeface="Quicksand" pitchFamily="2" charset="0"/>
               </a:rPr>
-              <a:t>project. The procedure followed in the project is very simple,</a:t>
-            </a:r>
-          </a:p>
-          <a:p>
-            <a:pPr>
-              <a:lnSpc>
-                <a:spcPct val="150000"/>
-              </a:lnSpc>
-            </a:pPr>
-            <a:r>
-              <a:rPr lang="en-US" sz="1700" dirty="0">
-                <a:latin typeface="Quicksand" pitchFamily="2" charset="0"/>
-              </a:rPr>
-              <a:t>advantageous . The code has been put to several tests and has confirmed that there are no drawbacks or technical errors.I had used all the help that was given to me by my friends and my teacher and I am deeply grateful to them.Further modification can be done in the form of GUI interface which makes it user friendly and it is possible to make an online interface which allows the customers to check in through online</a:t>
-            </a:r>
-          </a:p>
-          <a:p>
-            <a:pPr>
-              <a:lnSpc>
-                <a:spcPct val="150000"/>
-              </a:lnSpc>
-            </a:pPr>
-            <a:r>
-              <a:rPr lang="en-US" sz="1700" dirty="0">
-                <a:latin typeface="Quicksand" pitchFamily="2" charset="0"/>
-              </a:rPr>
-              <a:t>.</a:t>
-            </a:r>
-          </a:p>
-          <a:p>
-            <a:pPr algn="ctr">
-              <a:lnSpc>
-                <a:spcPct val="150000"/>
-              </a:lnSpc>
-            </a:pPr>
-            <a:r>
-              <a:rPr lang="en-US" sz="2000" b="1" dirty="0">
-                <a:latin typeface="Quicksand" pitchFamily="2" charset="0"/>
-              </a:rPr>
-              <a:t>THANK YOU!!!</a:t>
+              <a:t>17)  Deleting a Reservation</a:t>
             </a:r>
           </a:p>
         </p:txBody>
       </p:sp>
+      <p:pic>
+        <p:nvPicPr>
+          <p:cNvPr id="23" name="Picture 22">
+            <a:extLst>
+              <a:ext uri="{FF2B5EF4-FFF2-40B4-BE49-F238E27FC236}">
+                <a16:creationId xmlns:a16="http://schemas.microsoft.com/office/drawing/2014/main" id="{E4E91358-6E0C-4D60-EDE0-3F3763360D37}"/>
+              </a:ext>
+            </a:extLst>
+          </p:cNvPr>
+          <p:cNvPicPr>
+            <a:picLocks noChangeAspect="1"/>
+          </p:cNvPicPr>
+          <p:nvPr/>
+        </p:nvPicPr>
+        <p:blipFill>
+          <a:blip r:embed="rId5"/>
+          <a:stretch>
+            <a:fillRect/>
+          </a:stretch>
+        </p:blipFill>
+        <p:spPr>
+          <a:xfrm>
+            <a:off x="286510" y="5830059"/>
+            <a:ext cx="4058216" cy="1076475"/>
+          </a:xfrm>
+          <a:prstGeom prst="rect">
+            <a:avLst/>
+          </a:prstGeom>
+        </p:spPr>
+      </p:pic>
     </p:spTree>
     <p:extLst>
       <p:ext uri="{BB962C8B-B14F-4D97-AF65-F5344CB8AC3E}">
-        <p14:creationId xmlns:p14="http://schemas.microsoft.com/office/powerpoint/2010/main" val="4009775907"/>
+        <p14:creationId xmlns:p14="http://schemas.microsoft.com/office/powerpoint/2010/main" val="3302558119"/>
       </p:ext>
     </p:extLst>
   </p:cSld>
@@ -18425,6 +18388,247 @@
 </file>
 
 <file path=ppt/slides/slide30.xml><?xml version="1.0" encoding="utf-8"?>
+<p:sld xmlns:a="http://schemas.openxmlformats.org/drawingml/2006/main" xmlns:r="http://schemas.openxmlformats.org/officeDocument/2006/relationships" xmlns:p="http://schemas.openxmlformats.org/presentationml/2006/main">
+  <p:cSld>
+    <p:spTree>
+      <p:nvGrpSpPr>
+        <p:cNvPr id="1" name=""/>
+        <p:cNvGrpSpPr/>
+        <p:nvPr/>
+      </p:nvGrpSpPr>
+      <p:grpSpPr>
+        <a:xfrm>
+          <a:off x="0" y="0"/>
+          <a:ext cx="0" cy="0"/>
+          <a:chOff x="0" y="0"/>
+          <a:chExt cx="0" cy="0"/>
+        </a:xfrm>
+      </p:grpSpPr>
+      <p:sp>
+        <p:nvSpPr>
+          <p:cNvPr id="4" name="Rectangle 3">
+            <a:extLst>
+              <a:ext uri="{FF2B5EF4-FFF2-40B4-BE49-F238E27FC236}">
+                <a16:creationId xmlns:a16="http://schemas.microsoft.com/office/drawing/2014/main" id="{7C1C2D47-DE9F-FFE5-EF5E-6425AA3861B6}"/>
+              </a:ext>
+            </a:extLst>
+          </p:cNvPr>
+          <p:cNvSpPr/>
+          <p:nvPr/>
+        </p:nvSpPr>
+        <p:spPr>
+          <a:xfrm>
+            <a:off x="134111" y="268224"/>
+            <a:ext cx="6559297" cy="9448800"/>
+          </a:xfrm>
+          <a:prstGeom prst="rect">
+            <a:avLst/>
+          </a:prstGeom>
+          <a:noFill/>
+          <a:ln w="76200" cmpd="sng">
+            <a:solidFill>
+              <a:schemeClr val="accent1">
+                <a:shade val="50000"/>
+              </a:schemeClr>
+            </a:solidFill>
+            <a:prstDash val="solid"/>
+          </a:ln>
+        </p:spPr>
+        <p:style>
+          <a:lnRef idx="2">
+            <a:schemeClr val="accent1">
+              <a:shade val="50000"/>
+            </a:schemeClr>
+          </a:lnRef>
+          <a:fillRef idx="1">
+            <a:schemeClr val="accent1"/>
+          </a:fillRef>
+          <a:effectRef idx="0">
+            <a:schemeClr val="accent1"/>
+          </a:effectRef>
+          <a:fontRef idx="minor">
+            <a:schemeClr val="lt1"/>
+          </a:fontRef>
+        </p:style>
+        <p:txBody>
+          <a:bodyPr rtlCol="0" anchor="ctr"/>
+          <a:lstStyle/>
+          <a:p>
+            <a:pPr algn="ctr"/>
+            <a:r>
+              <a:rPr lang="en-US" dirty="0">
+                <a:latin typeface="Quicksand" pitchFamily="2" charset="0"/>
+              </a:rPr>
+              <a:t>  </a:t>
+            </a:r>
+            <a:endParaRPr lang="en-AE" dirty="0">
+              <a:latin typeface="Quicksand" pitchFamily="2" charset="0"/>
+            </a:endParaRPr>
+          </a:p>
+        </p:txBody>
+      </p:sp>
+      <p:sp>
+        <p:nvSpPr>
+          <p:cNvPr id="9" name="TextBox 8">
+            <a:extLst>
+              <a:ext uri="{FF2B5EF4-FFF2-40B4-BE49-F238E27FC236}">
+                <a16:creationId xmlns:a16="http://schemas.microsoft.com/office/drawing/2014/main" id="{C6640E0D-77A1-9A0E-50E3-36EE1288FDB2}"/>
+              </a:ext>
+            </a:extLst>
+          </p:cNvPr>
+          <p:cNvSpPr txBox="1"/>
+          <p:nvPr/>
+        </p:nvSpPr>
+        <p:spPr>
+          <a:xfrm>
+            <a:off x="240537" y="387185"/>
+            <a:ext cx="6346444" cy="1446550"/>
+          </a:xfrm>
+          <a:prstGeom prst="rect">
+            <a:avLst/>
+          </a:prstGeom>
+          <a:noFill/>
+        </p:spPr>
+        <p:txBody>
+          <a:bodyPr wrap="square" rtlCol="0">
+            <a:spAutoFit/>
+          </a:bodyPr>
+          <a:lstStyle/>
+          <a:p>
+            <a:pPr algn="ctr"/>
+            <a:r>
+              <a:rPr lang="en-US" sz="4400" b="1" dirty="0">
+                <a:latin typeface="Quicksand" pitchFamily="2" charset="0"/>
+              </a:rPr>
+              <a:t>Conclusion and Futurescope</a:t>
+            </a:r>
+            <a:endParaRPr lang="en-AE" sz="4400" b="1" dirty="0">
+              <a:latin typeface="Quicksand" pitchFamily="2" charset="0"/>
+            </a:endParaRPr>
+          </a:p>
+        </p:txBody>
+      </p:sp>
+      <p:sp>
+        <p:nvSpPr>
+          <p:cNvPr id="10" name="TextBox 9">
+            <a:extLst>
+              <a:ext uri="{FF2B5EF4-FFF2-40B4-BE49-F238E27FC236}">
+                <a16:creationId xmlns:a16="http://schemas.microsoft.com/office/drawing/2014/main" id="{80F1D8D5-2431-15DF-14F4-496C51ED2F0A}"/>
+              </a:ext>
+            </a:extLst>
+          </p:cNvPr>
+          <p:cNvSpPr txBox="1"/>
+          <p:nvPr/>
+        </p:nvSpPr>
+        <p:spPr>
+          <a:xfrm>
+            <a:off x="331722" y="2045028"/>
+            <a:ext cx="6276341" cy="5209118"/>
+          </a:xfrm>
+          <a:prstGeom prst="rect">
+            <a:avLst/>
+          </a:prstGeom>
+          <a:noFill/>
+        </p:spPr>
+        <p:txBody>
+          <a:bodyPr wrap="square" rtlCol="0">
+            <a:spAutoFit/>
+          </a:bodyPr>
+          <a:lstStyle/>
+          <a:p>
+            <a:pPr>
+              <a:lnSpc>
+                <a:spcPct val="150000"/>
+              </a:lnSpc>
+            </a:pPr>
+            <a:r>
+              <a:rPr lang="en-US" sz="1700" dirty="0">
+                <a:latin typeface="Quicksand" pitchFamily="2" charset="0"/>
+              </a:rPr>
+              <a:t>After successfully completing my project on The Paradise</a:t>
+            </a:r>
+          </a:p>
+          <a:p>
+            <a:pPr>
+              <a:lnSpc>
+                <a:spcPct val="150000"/>
+              </a:lnSpc>
+            </a:pPr>
+            <a:r>
+              <a:rPr lang="en-US" sz="1700" dirty="0">
+                <a:latin typeface="Quicksand" pitchFamily="2" charset="0"/>
+              </a:rPr>
+              <a:t>Hotel, I have verified that I have met all the objectives for the</a:t>
+            </a:r>
+          </a:p>
+          <a:p>
+            <a:pPr>
+              <a:lnSpc>
+                <a:spcPct val="150000"/>
+              </a:lnSpc>
+            </a:pPr>
+            <a:r>
+              <a:rPr lang="en-US" sz="1700" dirty="0">
+                <a:latin typeface="Quicksand" pitchFamily="2" charset="0"/>
+              </a:rPr>
+              <a:t>project. The procedure followed in the project is very simple,</a:t>
+            </a:r>
+          </a:p>
+          <a:p>
+            <a:pPr>
+              <a:lnSpc>
+                <a:spcPct val="150000"/>
+              </a:lnSpc>
+            </a:pPr>
+            <a:r>
+              <a:rPr lang="en-US" sz="1700" dirty="0">
+                <a:latin typeface="Quicksand" pitchFamily="2" charset="0"/>
+              </a:rPr>
+              <a:t>advantageous . The code has been put to several tests and has confirmed that there are no drawbacks or technical errors.I had used all the help that was given to me by my friends and my teacher and I am deeply grateful to them.Further modification can be done in the form of GUI interface which makes it user friendly and it is possible to make an online interface which allows the customers to check in through online</a:t>
+            </a:r>
+          </a:p>
+          <a:p>
+            <a:pPr>
+              <a:lnSpc>
+                <a:spcPct val="150000"/>
+              </a:lnSpc>
+            </a:pPr>
+            <a:r>
+              <a:rPr lang="en-US" sz="1700" dirty="0">
+                <a:latin typeface="Quicksand" pitchFamily="2" charset="0"/>
+              </a:rPr>
+              <a:t>.</a:t>
+            </a:r>
+          </a:p>
+          <a:p>
+            <a:pPr algn="ctr">
+              <a:lnSpc>
+                <a:spcPct val="150000"/>
+              </a:lnSpc>
+            </a:pPr>
+            <a:r>
+              <a:rPr lang="en-US" sz="2000" b="1" dirty="0">
+                <a:latin typeface="Quicksand" pitchFamily="2" charset="0"/>
+              </a:rPr>
+              <a:t>THANK YOU!!!</a:t>
+            </a:r>
+          </a:p>
+        </p:txBody>
+      </p:sp>
+    </p:spTree>
+    <p:extLst>
+      <p:ext uri="{BB962C8B-B14F-4D97-AF65-F5344CB8AC3E}">
+        <p14:creationId xmlns:p14="http://schemas.microsoft.com/office/powerpoint/2010/main" val="4009775907"/>
+      </p:ext>
+    </p:extLst>
+  </p:cSld>
+  <p:clrMapOvr>
+    <a:masterClrMapping/>
+  </p:clrMapOvr>
+</p:sld>
+</file>
+
+<file path=ppt/slides/slide31.xml><?xml version="1.0" encoding="utf-8"?>
 <p:sld xmlns:a="http://schemas.openxmlformats.org/drawingml/2006/main" xmlns:r="http://schemas.openxmlformats.org/officeDocument/2006/relationships" xmlns:p="http://schemas.openxmlformats.org/presentationml/2006/main">
   <p:cSld>
     <p:spTree>
